--- a/V-SET_v2_Final_Project.pptx
+++ b/V-SET_v2_Final_Project.pptx
@@ -6,15 +6,19 @@
   </p:sldMasterIdLst>
   <p:sldIdLst>
     <p:sldId id="256" r:id="rId2"/>
-    <p:sldId id="257" r:id="rId3"/>
-    <p:sldId id="264" r:id="rId4"/>
-    <p:sldId id="259" r:id="rId5"/>
-    <p:sldId id="260" r:id="rId6"/>
-    <p:sldId id="263" r:id="rId7"/>
-    <p:sldId id="261" r:id="rId8"/>
-    <p:sldId id="262" r:id="rId9"/>
-    <p:sldId id="258" r:id="rId10"/>
-    <p:sldId id="265" r:id="rId11"/>
+    <p:sldId id="266" r:id="rId3"/>
+    <p:sldId id="257" r:id="rId4"/>
+    <p:sldId id="264" r:id="rId5"/>
+    <p:sldId id="259" r:id="rId6"/>
+    <p:sldId id="260" r:id="rId7"/>
+    <p:sldId id="258" r:id="rId8"/>
+    <p:sldId id="267" r:id="rId9"/>
+    <p:sldId id="268" r:id="rId10"/>
+    <p:sldId id="269" r:id="rId11"/>
+    <p:sldId id="270" r:id="rId12"/>
+    <p:sldId id="273" r:id="rId13"/>
+    <p:sldId id="271" r:id="rId14"/>
+    <p:sldId id="265" r:id="rId15"/>
   </p:sldIdLst>
   <p:sldSz cx="9144000" cy="6858000" type="screen4x3"/>
   <p:notesSz cx="6858000" cy="9144000"/>
@@ -2873,7 +2877,7 @@
           <a:p>
             <a:fld id="{5E98B1B5-C022-42CD-9282-DDDA05DBF74B}" type="datetimeFigureOut">
               <a:rPr lang="en-US" smtClean="0"/>
-              <a:t>3/27/2016</a:t>
+              <a:t>5/2/2016</a:t>
             </a:fld>
             <a:endParaRPr lang="en-US"/>
           </a:p>
@@ -3158,7 +3162,7 @@
           <a:p>
             <a:fld id="{5E98B1B5-C022-42CD-9282-DDDA05DBF74B}" type="datetimeFigureOut">
               <a:rPr lang="en-US" smtClean="0"/>
-              <a:t>3/27/2016</a:t>
+              <a:t>5/2/2016</a:t>
             </a:fld>
             <a:endParaRPr lang="en-US"/>
           </a:p>
@@ -3333,7 +3337,7 @@
           <a:p>
             <a:fld id="{5E98B1B5-C022-42CD-9282-DDDA05DBF74B}" type="datetimeFigureOut">
               <a:rPr lang="en-US" smtClean="0"/>
-              <a:t>3/27/2016</a:t>
+              <a:t>5/2/2016</a:t>
             </a:fld>
             <a:endParaRPr lang="en-US"/>
           </a:p>
@@ -3498,7 +3502,7 @@
           <a:p>
             <a:fld id="{5E98B1B5-C022-42CD-9282-DDDA05DBF74B}" type="datetimeFigureOut">
               <a:rPr lang="en-US" smtClean="0"/>
-              <a:t>3/27/2016</a:t>
+              <a:t>5/2/2016</a:t>
             </a:fld>
             <a:endParaRPr lang="en-US"/>
           </a:p>
@@ -3739,7 +3743,7 @@
           <a:p>
             <a:fld id="{5E98B1B5-C022-42CD-9282-DDDA05DBF74B}" type="datetimeFigureOut">
               <a:rPr lang="en-US" smtClean="0"/>
-              <a:t>3/27/2016</a:t>
+              <a:t>5/2/2016</a:t>
             </a:fld>
             <a:endParaRPr lang="en-US"/>
           </a:p>
@@ -3852,7 +3856,7 @@
           <a:p>
             <a:fld id="{5E98B1B5-C022-42CD-9282-DDDA05DBF74B}" type="datetimeFigureOut">
               <a:rPr lang="en-US" smtClean="0"/>
-              <a:t>3/27/2016</a:t>
+              <a:t>5/2/2016</a:t>
             </a:fld>
             <a:endParaRPr lang="en-US"/>
           </a:p>
@@ -4391,7 +4395,7 @@
           <a:p>
             <a:fld id="{5E98B1B5-C022-42CD-9282-DDDA05DBF74B}" type="datetimeFigureOut">
               <a:rPr lang="en-US" smtClean="0"/>
-              <a:t>3/27/2016</a:t>
+              <a:t>5/2/2016</a:t>
             </a:fld>
             <a:endParaRPr lang="en-US"/>
           </a:p>
@@ -4504,7 +4508,7 @@
           <a:p>
             <a:fld id="{5E98B1B5-C022-42CD-9282-DDDA05DBF74B}" type="datetimeFigureOut">
               <a:rPr lang="en-US" smtClean="0"/>
-              <a:t>3/27/2016</a:t>
+              <a:t>5/2/2016</a:t>
             </a:fld>
             <a:endParaRPr lang="en-US"/>
           </a:p>
@@ -4594,7 +4598,7 @@
           <a:p>
             <a:fld id="{5E98B1B5-C022-42CD-9282-DDDA05DBF74B}" type="datetimeFigureOut">
               <a:rPr lang="en-US" smtClean="0"/>
-              <a:t>3/27/2016</a:t>
+              <a:t>5/2/2016</a:t>
             </a:fld>
             <a:endParaRPr lang="en-US"/>
           </a:p>
@@ -7245,7 +7249,7 @@
           <a:p>
             <a:fld id="{5E98B1B5-C022-42CD-9282-DDDA05DBF74B}" type="datetimeFigureOut">
               <a:rPr lang="en-US" smtClean="0"/>
-              <a:t>3/27/2016</a:t>
+              <a:t>5/2/2016</a:t>
             </a:fld>
             <a:endParaRPr lang="en-US"/>
           </a:p>
@@ -10457,7 +10461,7 @@
           <a:p>
             <a:fld id="{5E98B1B5-C022-42CD-9282-DDDA05DBF74B}" type="datetimeFigureOut">
               <a:rPr lang="en-US" smtClean="0"/>
-              <a:t>3/27/2016</a:t>
+              <a:t>5/2/2016</a:t>
             </a:fld>
             <a:endParaRPr lang="en-US"/>
           </a:p>
@@ -13279,7 +13283,7 @@
           <a:p>
             <a:fld id="{5E98B1B5-C022-42CD-9282-DDDA05DBF74B}" type="datetimeFigureOut">
               <a:rPr lang="en-US" smtClean="0"/>
-              <a:t>3/27/2016</a:t>
+              <a:t>5/2/2016</a:t>
             </a:fld>
             <a:endParaRPr lang="en-US"/>
           </a:p>
@@ -13756,11 +13760,19 @@
           <a:p>
             <a:r>
               <a:rPr lang="en-US" altLang="zh-TW" b="1" dirty="0" smtClean="0"/>
-              <a:t>V-SET</a:t>
+              <a:t>V-SET2</a:t>
             </a:r>
             <a:r>
               <a:rPr lang="en-US" altLang="zh-TW" dirty="0" smtClean="0"/>
-              <a:t>: Visual Story Editing Tool</a:t>
+              <a:t>: </a:t>
+            </a:r>
+            <a:r>
+              <a:rPr lang="en-US" altLang="zh-TW" dirty="0" smtClean="0"/>
+              <a:t>Visual Story Editing </a:t>
+            </a:r>
+            <a:r>
+              <a:rPr lang="en-US" altLang="zh-TW" dirty="0" smtClean="0"/>
+              <a:t>Tool version 2.</a:t>
             </a:r>
             <a:endParaRPr lang="en-US" dirty="0"/>
           </a:p>
@@ -13836,10 +13848,1196 @@
             <p:ph type="title"/>
           </p:nvPr>
         </p:nvSpPr>
+        <p:spPr/>
+        <p:txBody>
+          <a:bodyPr/>
+          <a:lstStyle/>
+          <a:p>
+            <a:r>
+              <a:rPr lang="en-US" dirty="0" smtClean="0"/>
+              <a:t>User input</a:t>
+            </a:r>
+            <a:endParaRPr lang="en-US" dirty="0"/>
+          </a:p>
+        </p:txBody>
+      </p:sp>
+      <p:sp>
+        <p:nvSpPr>
+          <p:cNvPr id="5" name="內容版面配置區 4"/>
+          <p:cNvSpPr>
+            <a:spLocks noGrp="1"/>
+          </p:cNvSpPr>
+          <p:nvPr>
+            <p:ph idx="1"/>
+          </p:nvPr>
+        </p:nvSpPr>
+        <p:spPr/>
+        <p:txBody>
+          <a:bodyPr/>
+          <a:lstStyle/>
+          <a:p>
+            <a:r>
+              <a:rPr lang="en-US" dirty="0" smtClean="0"/>
+              <a:t>Multiple choice question</a:t>
+            </a:r>
+          </a:p>
+          <a:p>
+            <a:pPr lvl="1"/>
+            <a:r>
+              <a:rPr lang="en-US" dirty="0" smtClean="0"/>
+              <a:t>Conditions: check variable change after users make choices.</a:t>
+            </a:r>
+          </a:p>
+          <a:p>
+            <a:endParaRPr lang="en-US" dirty="0" smtClean="0"/>
+          </a:p>
+          <a:p>
+            <a:endParaRPr lang="en-US" dirty="0"/>
+          </a:p>
+        </p:txBody>
+      </p:sp>
+      <p:sp>
+        <p:nvSpPr>
+          <p:cNvPr id="6" name="矩形 5"/>
+          <p:cNvSpPr/>
+          <p:nvPr/>
+        </p:nvSpPr>
+        <p:spPr>
+          <a:xfrm>
+            <a:off x="1594449" y="4191000"/>
+            <a:ext cx="2590800" cy="381000"/>
+          </a:xfrm>
+          <a:prstGeom prst="rect">
+            <a:avLst/>
+          </a:prstGeom>
+          <a:noFill/>
+        </p:spPr>
+        <p:style>
+          <a:lnRef idx="2">
+            <a:schemeClr val="accent1">
+              <a:shade val="50000"/>
+            </a:schemeClr>
+          </a:lnRef>
+          <a:fillRef idx="1">
+            <a:schemeClr val="accent1"/>
+          </a:fillRef>
+          <a:effectRef idx="0">
+            <a:schemeClr val="accent1"/>
+          </a:effectRef>
+          <a:fontRef idx="minor">
+            <a:schemeClr val="lt1"/>
+          </a:fontRef>
+        </p:style>
+        <p:txBody>
+          <a:bodyPr rtlCol="0" anchor="ctr"/>
+          <a:lstStyle/>
+          <a:p>
+            <a:pPr algn="ctr"/>
+            <a:r>
+              <a:rPr lang="en-US" dirty="0">
+                <a:solidFill>
+                  <a:schemeClr val="tx1"/>
+                </a:solidFill>
+              </a:rPr>
+              <a:t>Choice 1</a:t>
+            </a:r>
+          </a:p>
+        </p:txBody>
+      </p:sp>
+      <p:sp>
+        <p:nvSpPr>
+          <p:cNvPr id="7" name="矩形 6"/>
+          <p:cNvSpPr/>
+          <p:nvPr/>
+        </p:nvSpPr>
+        <p:spPr>
+          <a:xfrm>
+            <a:off x="1594449" y="4876800"/>
+            <a:ext cx="2590800" cy="381000"/>
+          </a:xfrm>
+          <a:prstGeom prst="rect">
+            <a:avLst/>
+          </a:prstGeom>
+          <a:noFill/>
+        </p:spPr>
+        <p:style>
+          <a:lnRef idx="2">
+            <a:schemeClr val="accent1">
+              <a:shade val="50000"/>
+            </a:schemeClr>
+          </a:lnRef>
+          <a:fillRef idx="1">
+            <a:schemeClr val="accent1"/>
+          </a:fillRef>
+          <a:effectRef idx="0">
+            <a:schemeClr val="accent1"/>
+          </a:effectRef>
+          <a:fontRef idx="minor">
+            <a:schemeClr val="lt1"/>
+          </a:fontRef>
+        </p:style>
+        <p:txBody>
+          <a:bodyPr rtlCol="0" anchor="ctr"/>
+          <a:lstStyle/>
+          <a:p>
+            <a:pPr algn="ctr"/>
+            <a:r>
+              <a:rPr lang="en-US" dirty="0" smtClean="0">
+                <a:solidFill>
+                  <a:schemeClr val="tx1"/>
+                </a:solidFill>
+              </a:rPr>
+              <a:t>Choice 2</a:t>
+            </a:r>
+            <a:endParaRPr lang="en-US" dirty="0">
+              <a:solidFill>
+                <a:schemeClr val="tx1"/>
+              </a:solidFill>
+            </a:endParaRPr>
+          </a:p>
+        </p:txBody>
+      </p:sp>
+      <p:sp>
+        <p:nvSpPr>
+          <p:cNvPr id="8" name="矩形 7"/>
+          <p:cNvSpPr/>
+          <p:nvPr/>
+        </p:nvSpPr>
+        <p:spPr>
+          <a:xfrm>
+            <a:off x="1594449" y="5562600"/>
+            <a:ext cx="2590800" cy="381000"/>
+          </a:xfrm>
+          <a:prstGeom prst="rect">
+            <a:avLst/>
+          </a:prstGeom>
+          <a:noFill/>
+        </p:spPr>
+        <p:style>
+          <a:lnRef idx="2">
+            <a:schemeClr val="accent1">
+              <a:shade val="50000"/>
+            </a:schemeClr>
+          </a:lnRef>
+          <a:fillRef idx="1">
+            <a:schemeClr val="accent1"/>
+          </a:fillRef>
+          <a:effectRef idx="0">
+            <a:schemeClr val="accent1"/>
+          </a:effectRef>
+          <a:fontRef idx="minor">
+            <a:schemeClr val="lt1"/>
+          </a:fontRef>
+        </p:style>
+        <p:txBody>
+          <a:bodyPr rtlCol="0" anchor="ctr"/>
+          <a:lstStyle/>
+          <a:p>
+            <a:pPr algn="ctr"/>
+            <a:r>
+              <a:rPr lang="en-US" dirty="0" smtClean="0">
+                <a:solidFill>
+                  <a:schemeClr val="tx1"/>
+                </a:solidFill>
+              </a:rPr>
+              <a:t>Choice 3</a:t>
+            </a:r>
+            <a:endParaRPr lang="en-US" dirty="0">
+              <a:solidFill>
+                <a:schemeClr val="tx1"/>
+              </a:solidFill>
+            </a:endParaRPr>
+          </a:p>
+        </p:txBody>
+      </p:sp>
+      <p:sp>
+        <p:nvSpPr>
+          <p:cNvPr id="9" name="向右箭號 8"/>
+          <p:cNvSpPr/>
+          <p:nvPr/>
+        </p:nvSpPr>
+        <p:spPr>
+          <a:xfrm>
+            <a:off x="4419600" y="4267200"/>
+            <a:ext cx="304800" cy="228600"/>
+          </a:xfrm>
+          <a:prstGeom prst="rightArrow">
+            <a:avLst/>
+          </a:prstGeom>
+        </p:spPr>
+        <p:style>
+          <a:lnRef idx="2">
+            <a:schemeClr val="accent1">
+              <a:shade val="50000"/>
+            </a:schemeClr>
+          </a:lnRef>
+          <a:fillRef idx="1">
+            <a:schemeClr val="accent1"/>
+          </a:fillRef>
+          <a:effectRef idx="0">
+            <a:schemeClr val="accent1"/>
+          </a:effectRef>
+          <a:fontRef idx="minor">
+            <a:schemeClr val="lt1"/>
+          </a:fontRef>
+        </p:style>
+        <p:txBody>
+          <a:bodyPr rtlCol="0" anchor="ctr"/>
+          <a:lstStyle/>
+          <a:p>
+            <a:pPr algn="ctr"/>
+            <a:endParaRPr lang="en-US"/>
+          </a:p>
+        </p:txBody>
+      </p:sp>
+      <p:sp>
+        <p:nvSpPr>
+          <p:cNvPr id="10" name="向右箭號 9"/>
+          <p:cNvSpPr/>
+          <p:nvPr/>
+        </p:nvSpPr>
+        <p:spPr>
+          <a:xfrm>
+            <a:off x="4419600" y="4953000"/>
+            <a:ext cx="304800" cy="228600"/>
+          </a:xfrm>
+          <a:prstGeom prst="rightArrow">
+            <a:avLst/>
+          </a:prstGeom>
+        </p:spPr>
+        <p:style>
+          <a:lnRef idx="2">
+            <a:schemeClr val="accent1">
+              <a:shade val="50000"/>
+            </a:schemeClr>
+          </a:lnRef>
+          <a:fillRef idx="1">
+            <a:schemeClr val="accent1"/>
+          </a:fillRef>
+          <a:effectRef idx="0">
+            <a:schemeClr val="accent1"/>
+          </a:effectRef>
+          <a:fontRef idx="minor">
+            <a:schemeClr val="lt1"/>
+          </a:fontRef>
+        </p:style>
+        <p:txBody>
+          <a:bodyPr rtlCol="0" anchor="ctr"/>
+          <a:lstStyle/>
+          <a:p>
+            <a:pPr algn="ctr"/>
+            <a:endParaRPr lang="en-US"/>
+          </a:p>
+        </p:txBody>
+      </p:sp>
+      <p:sp>
+        <p:nvSpPr>
+          <p:cNvPr id="11" name="向右箭號 10"/>
+          <p:cNvSpPr/>
+          <p:nvPr/>
+        </p:nvSpPr>
+        <p:spPr>
+          <a:xfrm>
+            <a:off x="4419600" y="5638800"/>
+            <a:ext cx="304800" cy="228600"/>
+          </a:xfrm>
+          <a:prstGeom prst="rightArrow">
+            <a:avLst/>
+          </a:prstGeom>
+        </p:spPr>
+        <p:style>
+          <a:lnRef idx="2">
+            <a:schemeClr val="accent1">
+              <a:shade val="50000"/>
+            </a:schemeClr>
+          </a:lnRef>
+          <a:fillRef idx="1">
+            <a:schemeClr val="accent1"/>
+          </a:fillRef>
+          <a:effectRef idx="0">
+            <a:schemeClr val="accent1"/>
+          </a:effectRef>
+          <a:fontRef idx="minor">
+            <a:schemeClr val="lt1"/>
+          </a:fontRef>
+        </p:style>
+        <p:txBody>
+          <a:bodyPr rtlCol="0" anchor="ctr"/>
+          <a:lstStyle/>
+          <a:p>
+            <a:pPr algn="ctr"/>
+            <a:endParaRPr lang="en-US"/>
+          </a:p>
+        </p:txBody>
+      </p:sp>
+      <p:sp>
+        <p:nvSpPr>
+          <p:cNvPr id="12" name="文字方塊 11"/>
+          <p:cNvSpPr txBox="1"/>
+          <p:nvPr/>
+        </p:nvSpPr>
+        <p:spPr>
+          <a:xfrm>
+            <a:off x="5334000" y="4196834"/>
+            <a:ext cx="2590800" cy="369332"/>
+          </a:xfrm>
+          <a:prstGeom prst="rect">
+            <a:avLst/>
+          </a:prstGeom>
+          <a:noFill/>
+        </p:spPr>
+        <p:txBody>
+          <a:bodyPr wrap="square" rtlCol="0">
+            <a:spAutoFit/>
+          </a:bodyPr>
+          <a:lstStyle/>
+          <a:p>
+            <a:r>
+              <a:rPr lang="en-US" dirty="0" smtClean="0"/>
+              <a:t>Mood          +         50</a:t>
+            </a:r>
+            <a:endParaRPr lang="en-US" dirty="0"/>
+          </a:p>
+        </p:txBody>
+      </p:sp>
+      <p:sp>
+        <p:nvSpPr>
+          <p:cNvPr id="13" name="文字方塊 12"/>
+          <p:cNvSpPr txBox="1"/>
+          <p:nvPr/>
+        </p:nvSpPr>
+        <p:spPr>
+          <a:xfrm>
+            <a:off x="5334000" y="4882634"/>
+            <a:ext cx="2590800" cy="369332"/>
+          </a:xfrm>
+          <a:prstGeom prst="rect">
+            <a:avLst/>
+          </a:prstGeom>
+          <a:noFill/>
+        </p:spPr>
+        <p:txBody>
+          <a:bodyPr wrap="square" rtlCol="0">
+            <a:spAutoFit/>
+          </a:bodyPr>
+          <a:lstStyle/>
+          <a:p>
+            <a:r>
+              <a:rPr lang="en-US" dirty="0" smtClean="0"/>
+              <a:t>Mood           -         </a:t>
+            </a:r>
+            <a:r>
+              <a:rPr lang="en-US" dirty="0"/>
+              <a:t>1</a:t>
+            </a:r>
+            <a:r>
+              <a:rPr lang="en-US" dirty="0" smtClean="0"/>
+              <a:t>0</a:t>
+            </a:r>
+            <a:endParaRPr lang="en-US" dirty="0"/>
+          </a:p>
+        </p:txBody>
+      </p:sp>
+      <p:sp>
+        <p:nvSpPr>
+          <p:cNvPr id="14" name="文字方塊 13"/>
+          <p:cNvSpPr txBox="1"/>
+          <p:nvPr/>
+        </p:nvSpPr>
+        <p:spPr>
+          <a:xfrm>
+            <a:off x="5334000" y="5568434"/>
+            <a:ext cx="2590800" cy="369332"/>
+          </a:xfrm>
+          <a:prstGeom prst="rect">
+            <a:avLst/>
+          </a:prstGeom>
+          <a:noFill/>
+        </p:spPr>
+        <p:txBody>
+          <a:bodyPr wrap="square" rtlCol="0">
+            <a:spAutoFit/>
+          </a:bodyPr>
+          <a:lstStyle/>
+          <a:p>
+            <a:r>
+              <a:rPr lang="en-US" dirty="0" smtClean="0"/>
+              <a:t>Mood           =         30</a:t>
+            </a:r>
+            <a:endParaRPr lang="en-US" dirty="0"/>
+          </a:p>
+        </p:txBody>
+      </p:sp>
+      <p:sp>
+        <p:nvSpPr>
+          <p:cNvPr id="15" name="文字方塊 14"/>
+          <p:cNvSpPr txBox="1"/>
+          <p:nvPr/>
+        </p:nvSpPr>
+        <p:spPr>
+          <a:xfrm>
+            <a:off x="5181600" y="3733800"/>
+            <a:ext cx="3048000" cy="369332"/>
+          </a:xfrm>
+          <a:prstGeom prst="rect">
+            <a:avLst/>
+          </a:prstGeom>
+          <a:noFill/>
+        </p:spPr>
+        <p:txBody>
+          <a:bodyPr wrap="square" rtlCol="0">
+            <a:spAutoFit/>
+          </a:bodyPr>
+          <a:lstStyle/>
+          <a:p>
+            <a:r>
+              <a:rPr lang="en-US" dirty="0" smtClean="0">
+                <a:solidFill>
+                  <a:schemeClr val="bg2">
+                    <a:lumMod val="50000"/>
+                  </a:schemeClr>
+                </a:solidFill>
+              </a:rPr>
+              <a:t>Variable, operator,  value</a:t>
+            </a:r>
+            <a:endParaRPr lang="en-US" dirty="0">
+              <a:solidFill>
+                <a:schemeClr val="bg2">
+                  <a:lumMod val="50000"/>
+                </a:schemeClr>
+              </a:solidFill>
+            </a:endParaRPr>
+          </a:p>
+        </p:txBody>
+      </p:sp>
+      <p:sp>
+        <p:nvSpPr>
+          <p:cNvPr id="16" name="文字方塊 15"/>
+          <p:cNvSpPr txBox="1"/>
+          <p:nvPr/>
+        </p:nvSpPr>
+        <p:spPr>
+          <a:xfrm>
+            <a:off x="1509623" y="3733800"/>
+            <a:ext cx="3048000" cy="369332"/>
+          </a:xfrm>
+          <a:prstGeom prst="rect">
+            <a:avLst/>
+          </a:prstGeom>
+          <a:noFill/>
+        </p:spPr>
+        <p:txBody>
+          <a:bodyPr wrap="square" rtlCol="0">
+            <a:spAutoFit/>
+          </a:bodyPr>
+          <a:lstStyle/>
+          <a:p>
+            <a:r>
+              <a:rPr lang="en-US" dirty="0" smtClean="0">
+                <a:solidFill>
+                  <a:schemeClr val="bg2">
+                    <a:lumMod val="50000"/>
+                  </a:schemeClr>
+                </a:solidFill>
+              </a:rPr>
+              <a:t>Condition: Mood &gt; 30</a:t>
+            </a:r>
+            <a:endParaRPr lang="en-US" dirty="0">
+              <a:solidFill>
+                <a:schemeClr val="bg2">
+                  <a:lumMod val="50000"/>
+                </a:schemeClr>
+              </a:solidFill>
+            </a:endParaRPr>
+          </a:p>
+        </p:txBody>
+      </p:sp>
+    </p:spTree>
+    <p:extLst>
+      <p:ext uri="{BB962C8B-B14F-4D97-AF65-F5344CB8AC3E}">
+        <p14:creationId xmlns:p14="http://schemas.microsoft.com/office/powerpoint/2010/main" val="2716184020"/>
+      </p:ext>
+    </p:extLst>
+  </p:cSld>
+  <p:clrMapOvr>
+    <a:masterClrMapping/>
+  </p:clrMapOvr>
+</p:sld>
+</file>
+
+<file path=ppt/slides/slide11.xml><?xml version="1.0" encoding="utf-8"?>
+<p:sld xmlns:a="http://schemas.openxmlformats.org/drawingml/2006/main" xmlns:r="http://schemas.openxmlformats.org/officeDocument/2006/relationships" xmlns:p="http://schemas.openxmlformats.org/presentationml/2006/main">
+  <p:cSld>
+    <p:spTree>
+      <p:nvGrpSpPr>
+        <p:cNvPr id="1" name=""/>
+        <p:cNvGrpSpPr/>
+        <p:nvPr/>
+      </p:nvGrpSpPr>
+      <p:grpSpPr>
+        <a:xfrm>
+          <a:off x="0" y="0"/>
+          <a:ext cx="0" cy="0"/>
+          <a:chOff x="0" y="0"/>
+          <a:chExt cx="0" cy="0"/>
+        </a:xfrm>
+      </p:grpSpPr>
+      <p:sp>
+        <p:nvSpPr>
+          <p:cNvPr id="2" name="標題 1"/>
+          <p:cNvSpPr>
+            <a:spLocks noGrp="1"/>
+          </p:cNvSpPr>
+          <p:nvPr>
+            <p:ph type="title"/>
+          </p:nvPr>
+        </p:nvSpPr>
+        <p:spPr>
+          <a:xfrm>
+            <a:off x="685800" y="76200"/>
+            <a:ext cx="7024744" cy="1143000"/>
+          </a:xfrm>
+        </p:spPr>
+        <p:txBody>
+          <a:bodyPr/>
+          <a:lstStyle/>
+          <a:p>
+            <a:r>
+              <a:rPr lang="en-US" dirty="0" smtClean="0"/>
+              <a:t>Interface</a:t>
+            </a:r>
+            <a:endParaRPr lang="en-US" dirty="0"/>
+          </a:p>
+        </p:txBody>
+      </p:sp>
+      <p:pic>
+        <p:nvPicPr>
+          <p:cNvPr id="4" name="內容版面配置區 3"/>
+          <p:cNvPicPr>
+            <a:picLocks noGrp="1" noChangeAspect="1"/>
+          </p:cNvPicPr>
+          <p:nvPr>
+            <p:ph idx="1"/>
+          </p:nvPr>
+        </p:nvPicPr>
+        <p:blipFill>
+          <a:blip r:embed="rId2">
+            <a:extLst>
+              <a:ext uri="{28A0092B-C50C-407E-A947-70E740481C1C}">
+                <a14:useLocalDpi xmlns:a14="http://schemas.microsoft.com/office/drawing/2010/main" val="0"/>
+              </a:ext>
+            </a:extLst>
+          </a:blip>
+          <a:stretch>
+            <a:fillRect/>
+          </a:stretch>
+        </p:blipFill>
+        <p:spPr>
+          <a:xfrm>
+            <a:off x="2362200" y="1295400"/>
+            <a:ext cx="6004330" cy="4783111"/>
+          </a:xfrm>
+        </p:spPr>
+      </p:pic>
+      <p:sp>
+        <p:nvSpPr>
+          <p:cNvPr id="5" name="文字方塊 4"/>
+          <p:cNvSpPr txBox="1"/>
+          <p:nvPr/>
+        </p:nvSpPr>
+        <p:spPr>
+          <a:xfrm>
+            <a:off x="533400" y="1429434"/>
+            <a:ext cx="1709468" cy="646331"/>
+          </a:xfrm>
+          <a:prstGeom prst="rect">
+            <a:avLst/>
+          </a:prstGeom>
+          <a:noFill/>
+        </p:spPr>
+        <p:txBody>
+          <a:bodyPr wrap="square" rtlCol="0">
+            <a:spAutoFit/>
+          </a:bodyPr>
+          <a:lstStyle/>
+          <a:p>
+            <a:r>
+              <a:rPr lang="en-US" dirty="0" smtClean="0"/>
+              <a:t>Jump to chosen event</a:t>
+            </a:r>
+            <a:endParaRPr lang="en-US" dirty="0"/>
+          </a:p>
+        </p:txBody>
+      </p:sp>
+      <p:sp>
+        <p:nvSpPr>
+          <p:cNvPr id="6" name="向左箭號 5"/>
+          <p:cNvSpPr/>
+          <p:nvPr/>
+        </p:nvSpPr>
+        <p:spPr>
+          <a:xfrm>
+            <a:off x="2057400" y="1711623"/>
+            <a:ext cx="1295400" cy="381001"/>
+          </a:xfrm>
+          <a:prstGeom prst="leftArrow">
+            <a:avLst/>
+          </a:prstGeom>
+        </p:spPr>
+        <p:style>
+          <a:lnRef idx="2">
+            <a:schemeClr val="accent1">
+              <a:shade val="50000"/>
+            </a:schemeClr>
+          </a:lnRef>
+          <a:fillRef idx="1">
+            <a:schemeClr val="accent1"/>
+          </a:fillRef>
+          <a:effectRef idx="0">
+            <a:schemeClr val="accent1"/>
+          </a:effectRef>
+          <a:fontRef idx="minor">
+            <a:schemeClr val="lt1"/>
+          </a:fontRef>
+        </p:style>
+        <p:txBody>
+          <a:bodyPr rtlCol="0" anchor="ctr"/>
+          <a:lstStyle/>
+          <a:p>
+            <a:pPr algn="ctr"/>
+            <a:endParaRPr lang="en-US"/>
+          </a:p>
+        </p:txBody>
+      </p:sp>
+      <p:sp>
+        <p:nvSpPr>
+          <p:cNvPr id="7" name="文字方塊 6"/>
+          <p:cNvSpPr txBox="1"/>
+          <p:nvPr/>
+        </p:nvSpPr>
+        <p:spPr>
+          <a:xfrm>
+            <a:off x="533400" y="2362200"/>
+            <a:ext cx="1709468" cy="646331"/>
+          </a:xfrm>
+          <a:prstGeom prst="rect">
+            <a:avLst/>
+          </a:prstGeom>
+          <a:noFill/>
+        </p:spPr>
+        <p:txBody>
+          <a:bodyPr wrap="square" rtlCol="0">
+            <a:spAutoFit/>
+          </a:bodyPr>
+          <a:lstStyle/>
+          <a:p>
+            <a:r>
+              <a:rPr lang="en-US" dirty="0" smtClean="0"/>
+              <a:t>Apply change to variable</a:t>
+            </a:r>
+            <a:endParaRPr lang="en-US" dirty="0"/>
+          </a:p>
+        </p:txBody>
+      </p:sp>
+      <p:sp>
+        <p:nvSpPr>
+          <p:cNvPr id="8" name="向左箭號 7"/>
+          <p:cNvSpPr/>
+          <p:nvPr/>
+        </p:nvSpPr>
+        <p:spPr>
+          <a:xfrm>
+            <a:off x="2057400" y="2362200"/>
+            <a:ext cx="1295400" cy="381001"/>
+          </a:xfrm>
+          <a:prstGeom prst="leftArrow">
+            <a:avLst/>
+          </a:prstGeom>
+        </p:spPr>
+        <p:style>
+          <a:lnRef idx="2">
+            <a:schemeClr val="accent1">
+              <a:shade val="50000"/>
+            </a:schemeClr>
+          </a:lnRef>
+          <a:fillRef idx="1">
+            <a:schemeClr val="accent1"/>
+          </a:fillRef>
+          <a:effectRef idx="0">
+            <a:schemeClr val="accent1"/>
+          </a:effectRef>
+          <a:fontRef idx="minor">
+            <a:schemeClr val="lt1"/>
+          </a:fontRef>
+        </p:style>
+        <p:txBody>
+          <a:bodyPr rtlCol="0" anchor="ctr"/>
+          <a:lstStyle/>
+          <a:p>
+            <a:pPr algn="ctr"/>
+            <a:endParaRPr lang="en-US"/>
+          </a:p>
+        </p:txBody>
+      </p:sp>
+      <p:sp>
+        <p:nvSpPr>
+          <p:cNvPr id="9" name="文字方塊 8"/>
+          <p:cNvSpPr txBox="1"/>
+          <p:nvPr/>
+        </p:nvSpPr>
+        <p:spPr>
+          <a:xfrm>
+            <a:off x="549215" y="3962400"/>
+            <a:ext cx="1709468" cy="369332"/>
+          </a:xfrm>
+          <a:prstGeom prst="rect">
+            <a:avLst/>
+          </a:prstGeom>
+          <a:noFill/>
+        </p:spPr>
+        <p:txBody>
+          <a:bodyPr wrap="square" rtlCol="0">
+            <a:spAutoFit/>
+          </a:bodyPr>
+          <a:lstStyle/>
+          <a:p>
+            <a:r>
+              <a:rPr lang="en-US" dirty="0" smtClean="0"/>
+              <a:t>Edit dialogue</a:t>
+            </a:r>
+            <a:endParaRPr lang="en-US" dirty="0"/>
+          </a:p>
+        </p:txBody>
+      </p:sp>
+      <p:sp>
+        <p:nvSpPr>
+          <p:cNvPr id="10" name="向左箭號 9"/>
+          <p:cNvSpPr/>
+          <p:nvPr/>
+        </p:nvSpPr>
+        <p:spPr>
+          <a:xfrm>
+            <a:off x="2057400" y="3956565"/>
+            <a:ext cx="1295400" cy="381001"/>
+          </a:xfrm>
+          <a:prstGeom prst="leftArrow">
+            <a:avLst/>
+          </a:prstGeom>
+        </p:spPr>
+        <p:style>
+          <a:lnRef idx="2">
+            <a:schemeClr val="accent1">
+              <a:shade val="50000"/>
+            </a:schemeClr>
+          </a:lnRef>
+          <a:fillRef idx="1">
+            <a:schemeClr val="accent1"/>
+          </a:fillRef>
+          <a:effectRef idx="0">
+            <a:schemeClr val="accent1"/>
+          </a:effectRef>
+          <a:fontRef idx="minor">
+            <a:schemeClr val="lt1"/>
+          </a:fontRef>
+        </p:style>
+        <p:txBody>
+          <a:bodyPr rtlCol="0" anchor="ctr"/>
+          <a:lstStyle/>
+          <a:p>
+            <a:pPr algn="ctr"/>
+            <a:endParaRPr lang="en-US"/>
+          </a:p>
+        </p:txBody>
+      </p:sp>
+    </p:spTree>
+    <p:extLst>
+      <p:ext uri="{BB962C8B-B14F-4D97-AF65-F5344CB8AC3E}">
+        <p14:creationId xmlns:p14="http://schemas.microsoft.com/office/powerpoint/2010/main" val="4057255854"/>
+      </p:ext>
+    </p:extLst>
+  </p:cSld>
+  <p:clrMapOvr>
+    <a:masterClrMapping/>
+  </p:clrMapOvr>
+</p:sld>
+</file>
+
+<file path=ppt/slides/slide12.xml><?xml version="1.0" encoding="utf-8"?>
+<p:sld xmlns:a="http://schemas.openxmlformats.org/drawingml/2006/main" xmlns:r="http://schemas.openxmlformats.org/officeDocument/2006/relationships" xmlns:p="http://schemas.openxmlformats.org/presentationml/2006/main">
+  <p:cSld>
+    <p:spTree>
+      <p:nvGrpSpPr>
+        <p:cNvPr id="1" name=""/>
+        <p:cNvGrpSpPr/>
+        <p:nvPr/>
+      </p:nvGrpSpPr>
+      <p:grpSpPr>
+        <a:xfrm>
+          <a:off x="0" y="0"/>
+          <a:ext cx="0" cy="0"/>
+          <a:chOff x="0" y="0"/>
+          <a:chExt cx="0" cy="0"/>
+        </a:xfrm>
+      </p:grpSpPr>
+      <p:sp>
+        <p:nvSpPr>
+          <p:cNvPr id="2" name="標題 1"/>
+          <p:cNvSpPr>
+            <a:spLocks noGrp="1"/>
+          </p:cNvSpPr>
+          <p:nvPr>
+            <p:ph type="title"/>
+          </p:nvPr>
+        </p:nvSpPr>
+        <p:spPr>
+          <a:xfrm>
+            <a:off x="685800" y="76200"/>
+            <a:ext cx="7024744" cy="1143000"/>
+          </a:xfrm>
+        </p:spPr>
+        <p:txBody>
+          <a:bodyPr/>
+          <a:lstStyle/>
+          <a:p>
+            <a:r>
+              <a:rPr lang="en-US" dirty="0" smtClean="0"/>
+              <a:t>Interface</a:t>
+            </a:r>
+            <a:endParaRPr lang="en-US" dirty="0"/>
+          </a:p>
+        </p:txBody>
+      </p:sp>
+      <p:pic>
+        <p:nvPicPr>
+          <p:cNvPr id="11" name="內容版面配置區 10"/>
+          <p:cNvPicPr>
+            <a:picLocks noGrp="1" noChangeAspect="1"/>
+          </p:cNvPicPr>
+          <p:nvPr>
+            <p:ph idx="1"/>
+          </p:nvPr>
+        </p:nvPicPr>
+        <p:blipFill>
+          <a:blip r:embed="rId2">
+            <a:extLst>
+              <a:ext uri="{28A0092B-C50C-407E-A947-70E740481C1C}">
+                <a14:useLocalDpi xmlns:a14="http://schemas.microsoft.com/office/drawing/2010/main" val="0"/>
+              </a:ext>
+            </a:extLst>
+          </a:blip>
+          <a:stretch>
+            <a:fillRect/>
+          </a:stretch>
+        </p:blipFill>
+        <p:spPr>
+          <a:xfrm>
+            <a:off x="2362200" y="1570337"/>
+            <a:ext cx="6019800" cy="4772455"/>
+          </a:xfrm>
+        </p:spPr>
+      </p:pic>
+      <p:sp>
+        <p:nvSpPr>
+          <p:cNvPr id="6" name="向左箭號 5"/>
+          <p:cNvSpPr/>
+          <p:nvPr/>
+        </p:nvSpPr>
+        <p:spPr>
+          <a:xfrm>
+            <a:off x="2057400" y="1688291"/>
+            <a:ext cx="3810000" cy="381001"/>
+          </a:xfrm>
+          <a:prstGeom prst="leftArrow">
+            <a:avLst/>
+          </a:prstGeom>
+        </p:spPr>
+        <p:style>
+          <a:lnRef idx="2">
+            <a:schemeClr val="accent1">
+              <a:shade val="50000"/>
+            </a:schemeClr>
+          </a:lnRef>
+          <a:fillRef idx="1">
+            <a:schemeClr val="accent1"/>
+          </a:fillRef>
+          <a:effectRef idx="0">
+            <a:schemeClr val="accent1"/>
+          </a:effectRef>
+          <a:fontRef idx="minor">
+            <a:schemeClr val="lt1"/>
+          </a:fontRef>
+        </p:style>
+        <p:txBody>
+          <a:bodyPr rtlCol="0" anchor="ctr"/>
+          <a:lstStyle/>
+          <a:p>
+            <a:pPr algn="ctr"/>
+            <a:endParaRPr lang="en-US"/>
+          </a:p>
+        </p:txBody>
+      </p:sp>
+      <p:sp>
+        <p:nvSpPr>
+          <p:cNvPr id="7" name="文字方塊 6"/>
+          <p:cNvSpPr txBox="1"/>
+          <p:nvPr/>
+        </p:nvSpPr>
+        <p:spPr>
+          <a:xfrm>
+            <a:off x="457200" y="1778313"/>
+            <a:ext cx="1905000" cy="1477328"/>
+          </a:xfrm>
+          <a:prstGeom prst="rect">
+            <a:avLst/>
+          </a:prstGeom>
+          <a:noFill/>
+        </p:spPr>
+        <p:txBody>
+          <a:bodyPr wrap="square" rtlCol="0">
+            <a:spAutoFit/>
+          </a:bodyPr>
+          <a:lstStyle/>
+          <a:p>
+            <a:r>
+              <a:rPr lang="en-US" dirty="0" smtClean="0"/>
+              <a:t>Add conditions</a:t>
+            </a:r>
+          </a:p>
+          <a:p>
+            <a:r>
+              <a:rPr lang="en-US" dirty="0" smtClean="0"/>
+              <a:t>and details (if condition happen jump to assigned event)</a:t>
+            </a:r>
+            <a:endParaRPr lang="en-US" dirty="0"/>
+          </a:p>
+        </p:txBody>
+      </p:sp>
+      <p:sp>
+        <p:nvSpPr>
+          <p:cNvPr id="8" name="向左箭號 7"/>
+          <p:cNvSpPr/>
+          <p:nvPr/>
+        </p:nvSpPr>
+        <p:spPr>
+          <a:xfrm>
+            <a:off x="2057400" y="2362200"/>
+            <a:ext cx="3048000" cy="381001"/>
+          </a:xfrm>
+          <a:prstGeom prst="leftArrow">
+            <a:avLst/>
+          </a:prstGeom>
+        </p:spPr>
+        <p:style>
+          <a:lnRef idx="2">
+            <a:schemeClr val="accent1">
+              <a:shade val="50000"/>
+            </a:schemeClr>
+          </a:lnRef>
+          <a:fillRef idx="1">
+            <a:schemeClr val="accent1"/>
+          </a:fillRef>
+          <a:effectRef idx="0">
+            <a:schemeClr val="accent1"/>
+          </a:effectRef>
+          <a:fontRef idx="minor">
+            <a:schemeClr val="lt1"/>
+          </a:fontRef>
+        </p:style>
+        <p:txBody>
+          <a:bodyPr rtlCol="0" anchor="ctr"/>
+          <a:lstStyle/>
+          <a:p>
+            <a:pPr algn="ctr"/>
+            <a:endParaRPr lang="en-US"/>
+          </a:p>
+        </p:txBody>
+      </p:sp>
+      <p:sp>
+        <p:nvSpPr>
+          <p:cNvPr id="9" name="文字方塊 8"/>
+          <p:cNvSpPr txBox="1"/>
+          <p:nvPr/>
+        </p:nvSpPr>
+        <p:spPr>
+          <a:xfrm>
+            <a:off x="457200" y="3962400"/>
+            <a:ext cx="1709468" cy="646331"/>
+          </a:xfrm>
+          <a:prstGeom prst="rect">
+            <a:avLst/>
+          </a:prstGeom>
+          <a:noFill/>
+        </p:spPr>
+        <p:txBody>
+          <a:bodyPr wrap="square" rtlCol="0">
+            <a:spAutoFit/>
+          </a:bodyPr>
+          <a:lstStyle/>
+          <a:p>
+            <a:r>
+              <a:rPr lang="en-US" dirty="0" smtClean="0"/>
+              <a:t>Set multiple choices</a:t>
+            </a:r>
+            <a:endParaRPr lang="en-US" dirty="0"/>
+          </a:p>
+        </p:txBody>
+      </p:sp>
+      <p:sp>
+        <p:nvSpPr>
+          <p:cNvPr id="10" name="向左箭號 9"/>
+          <p:cNvSpPr/>
+          <p:nvPr/>
+        </p:nvSpPr>
+        <p:spPr>
+          <a:xfrm>
+            <a:off x="2057400" y="3956565"/>
+            <a:ext cx="1295400" cy="381001"/>
+          </a:xfrm>
+          <a:prstGeom prst="leftArrow">
+            <a:avLst/>
+          </a:prstGeom>
+        </p:spPr>
+        <p:style>
+          <a:lnRef idx="2">
+            <a:schemeClr val="accent1">
+              <a:shade val="50000"/>
+            </a:schemeClr>
+          </a:lnRef>
+          <a:fillRef idx="1">
+            <a:schemeClr val="accent1"/>
+          </a:fillRef>
+          <a:effectRef idx="0">
+            <a:schemeClr val="accent1"/>
+          </a:effectRef>
+          <a:fontRef idx="minor">
+            <a:schemeClr val="lt1"/>
+          </a:fontRef>
+        </p:style>
+        <p:txBody>
+          <a:bodyPr rtlCol="0" anchor="ctr"/>
+          <a:lstStyle/>
+          <a:p>
+            <a:pPr algn="ctr"/>
+            <a:endParaRPr lang="en-US"/>
+          </a:p>
+        </p:txBody>
+      </p:sp>
+    </p:spTree>
+    <p:extLst>
+      <p:ext uri="{BB962C8B-B14F-4D97-AF65-F5344CB8AC3E}">
+        <p14:creationId xmlns:p14="http://schemas.microsoft.com/office/powerpoint/2010/main" val="764307056"/>
+      </p:ext>
+    </p:extLst>
+  </p:cSld>
+  <p:clrMapOvr>
+    <a:masterClrMapping/>
+  </p:clrMapOvr>
+</p:sld>
+</file>
+
+<file path=ppt/slides/slide13.xml><?xml version="1.0" encoding="utf-8"?>
+<p:sld xmlns:a="http://schemas.openxmlformats.org/drawingml/2006/main" xmlns:r="http://schemas.openxmlformats.org/officeDocument/2006/relationships" xmlns:p="http://schemas.openxmlformats.org/presentationml/2006/main">
+  <p:cSld>
+    <p:spTree>
+      <p:nvGrpSpPr>
+        <p:cNvPr id="1" name=""/>
+        <p:cNvGrpSpPr/>
+        <p:nvPr/>
+      </p:nvGrpSpPr>
+      <p:grpSpPr>
+        <a:xfrm>
+          <a:off x="0" y="0"/>
+          <a:ext cx="0" cy="0"/>
+          <a:chOff x="0" y="0"/>
+          <a:chExt cx="0" cy="0"/>
+        </a:xfrm>
+      </p:grpSpPr>
+      <p:sp>
+        <p:nvSpPr>
+          <p:cNvPr id="2" name="標題 1"/>
+          <p:cNvSpPr>
+            <a:spLocks noGrp="1"/>
+          </p:cNvSpPr>
+          <p:nvPr>
+            <p:ph type="title"/>
+          </p:nvPr>
+        </p:nvSpPr>
+        <p:spPr/>
+        <p:txBody>
+          <a:bodyPr/>
+          <a:lstStyle/>
+          <a:p>
+            <a:endParaRPr lang="en-US" dirty="0"/>
+          </a:p>
+        </p:txBody>
+      </p:sp>
+      <p:sp>
+        <p:nvSpPr>
+          <p:cNvPr id="3" name="內容版面配置區 2"/>
+          <p:cNvSpPr>
+            <a:spLocks noGrp="1"/>
+          </p:cNvSpPr>
+          <p:nvPr>
+            <p:ph idx="1"/>
+          </p:nvPr>
+        </p:nvSpPr>
+        <p:spPr/>
+        <p:txBody>
+          <a:bodyPr/>
+          <a:lstStyle/>
+          <a:p>
+            <a:r>
+              <a:rPr lang="en-US" dirty="0" smtClean="0"/>
+              <a:t>Detail class diagram is in Design Document.</a:t>
+            </a:r>
+            <a:endParaRPr lang="en-US" dirty="0"/>
+          </a:p>
+        </p:txBody>
+      </p:sp>
+    </p:spTree>
+    <p:extLst>
+      <p:ext uri="{BB962C8B-B14F-4D97-AF65-F5344CB8AC3E}">
+        <p14:creationId xmlns:p14="http://schemas.microsoft.com/office/powerpoint/2010/main" val="203647044"/>
+      </p:ext>
+    </p:extLst>
+  </p:cSld>
+  <p:clrMapOvr>
+    <a:masterClrMapping/>
+  </p:clrMapOvr>
+</p:sld>
+</file>
+
+<file path=ppt/slides/slide14.xml><?xml version="1.0" encoding="utf-8"?>
+<p:sld xmlns:a="http://schemas.openxmlformats.org/drawingml/2006/main" xmlns:r="http://schemas.openxmlformats.org/officeDocument/2006/relationships" xmlns:p="http://schemas.openxmlformats.org/presentationml/2006/main">
+  <p:cSld>
+    <p:spTree>
+      <p:nvGrpSpPr>
+        <p:cNvPr id="1" name=""/>
+        <p:cNvGrpSpPr/>
+        <p:nvPr/>
+      </p:nvGrpSpPr>
+      <p:grpSpPr>
+        <a:xfrm>
+          <a:off x="0" y="0"/>
+          <a:ext cx="0" cy="0"/>
+          <a:chOff x="0" y="0"/>
+          <a:chExt cx="0" cy="0"/>
+        </a:xfrm>
+      </p:grpSpPr>
+      <p:sp>
+        <p:nvSpPr>
+          <p:cNvPr id="2" name="標題 1"/>
+          <p:cNvSpPr>
+            <a:spLocks noGrp="1"/>
+          </p:cNvSpPr>
+          <p:nvPr>
+            <p:ph type="title"/>
+          </p:nvPr>
+        </p:nvSpPr>
         <p:spPr>
           <a:xfrm>
             <a:off x="990600" y="2362200"/>
-            <a:ext cx="7024744" cy="2286000"/>
+            <a:ext cx="7024744" cy="3581400"/>
           </a:xfrm>
         </p:spPr>
         <p:txBody>
@@ -13851,7 +15049,7 @@
             <a:pPr algn="ctr"/>
             <a:r>
               <a:rPr lang="en-US" dirty="0" smtClean="0"/>
-              <a:t>Demo</a:t>
+              <a:t>Demo Version 2</a:t>
             </a:r>
             <a:r>
               <a:rPr lang="en-US" dirty="0"/>
@@ -13871,6 +15069,56 @@
               <a:rPr lang="en-US" sz="2400" dirty="0" smtClean="0">
                 <a:latin typeface="+mn-lt"/>
                 <a:hlinkClick r:id="rId2"/>
+              </a:rPr>
+              <a:t>youtu.be/lMltTl59548</a:t>
+            </a:r>
+            <a:r>
+              <a:rPr lang="en-US" sz="2400" dirty="0" smtClean="0">
+                <a:latin typeface="+mn-lt"/>
+              </a:rPr>
+              <a:t/>
+            </a:r>
+            <a:br>
+              <a:rPr lang="en-US" sz="2400" dirty="0" smtClean="0">
+                <a:latin typeface="+mn-lt"/>
+              </a:rPr>
+            </a:br>
+            <a:r>
+              <a:rPr lang="en-US" dirty="0"/>
+              <a:t/>
+            </a:r>
+            <a:br>
+              <a:rPr lang="en-US" dirty="0"/>
+            </a:br>
+            <a:r>
+              <a:rPr lang="en-US" dirty="0" err="1" smtClean="0"/>
+              <a:t>Github</a:t>
+            </a:r>
+            <a:r>
+              <a:rPr lang="en-US" dirty="0" smtClean="0"/>
+              <a:t/>
+            </a:r>
+            <a:br>
+              <a:rPr lang="en-US" dirty="0" smtClean="0"/>
+            </a:br>
+            <a:r>
+              <a:rPr lang="en-US" sz="2400" dirty="0" smtClean="0">
+                <a:latin typeface="+mn-lt"/>
+                <a:hlinkClick r:id="rId3"/>
+              </a:rPr>
+              <a:t>https</a:t>
+            </a:r>
+            <a:r>
+              <a:rPr lang="en-US" sz="2400" dirty="0">
+                <a:latin typeface="+mn-lt"/>
+                <a:hlinkClick r:id="rId3"/>
+              </a:rPr>
+              <a:t>://</a:t>
+            </a:r>
+            <a:r>
+              <a:rPr lang="en-US" sz="2400" dirty="0" smtClean="0">
+                <a:latin typeface="+mn-lt"/>
+                <a:hlinkClick r:id="rId3"/>
               </a:rPr>
               <a:t>github.com/RimiChen/V_SET</a:t>
             </a:r>
@@ -13938,6 +15186,215 @@
           <a:p>
             <a:r>
               <a:rPr lang="en-US" dirty="0" smtClean="0"/>
+              <a:t>Revision History</a:t>
+            </a:r>
+            <a:endParaRPr lang="en-US" dirty="0"/>
+          </a:p>
+        </p:txBody>
+      </p:sp>
+      <p:graphicFrame>
+        <p:nvGraphicFramePr>
+          <p:cNvPr id="5" name="內容版面配置區 4"/>
+          <p:cNvGraphicFramePr>
+            <a:graphicFrameLocks noGrp="1"/>
+          </p:cNvGraphicFramePr>
+          <p:nvPr>
+            <p:ph idx="1"/>
+            <p:extLst>
+              <p:ext uri="{D42A27DB-BD31-4B8C-83A1-F6EECF244321}">
+                <p14:modId xmlns:p14="http://schemas.microsoft.com/office/powerpoint/2010/main" val="3233199847"/>
+              </p:ext>
+            </p:extLst>
+          </p:nvPr>
+        </p:nvGraphicFramePr>
+        <p:xfrm>
+          <a:off x="1042988" y="2324100"/>
+          <a:ext cx="6777038" cy="1112520"/>
+        </p:xfrm>
+        <a:graphic>
+          <a:graphicData uri="http://schemas.openxmlformats.org/drawingml/2006/table">
+            <a:tbl>
+              <a:tblPr firstRow="1" bandRow="1">
+                <a:tableStyleId>{5C22544A-7EE6-4342-B048-85BDC9FD1C3A}</a:tableStyleId>
+              </a:tblPr>
+              <a:tblGrid>
+                <a:gridCol w="3388519"/>
+                <a:gridCol w="3388519"/>
+              </a:tblGrid>
+              <a:tr h="370840">
+                <a:tc>
+                  <a:txBody>
+                    <a:bodyPr/>
+                    <a:lstStyle/>
+                    <a:p>
+                      <a:r>
+                        <a:rPr lang="en-US" dirty="0" smtClean="0"/>
+                        <a:t>Tool version</a:t>
+                      </a:r>
+                      <a:endParaRPr lang="en-US" dirty="0"/>
+                    </a:p>
+                  </a:txBody>
+                  <a:tcPr/>
+                </a:tc>
+                <a:tc>
+                  <a:txBody>
+                    <a:bodyPr/>
+                    <a:lstStyle/>
+                    <a:p>
+                      <a:r>
+                        <a:rPr lang="en-US" dirty="0" smtClean="0"/>
+                        <a:t>Slide update</a:t>
+                      </a:r>
+                      <a:endParaRPr lang="en-US" dirty="0"/>
+                    </a:p>
+                  </a:txBody>
+                  <a:tcPr/>
+                </a:tc>
+              </a:tr>
+              <a:tr h="370840">
+                <a:tc>
+                  <a:txBody>
+                    <a:bodyPr/>
+                    <a:lstStyle/>
+                    <a:p>
+                      <a:r>
+                        <a:rPr lang="en-US" dirty="0" smtClean="0"/>
+                        <a:t>V-SET</a:t>
+                      </a:r>
+                      <a:r>
+                        <a:rPr lang="en-US" baseline="0" dirty="0" smtClean="0"/>
+                        <a:t> v1.0.0</a:t>
+                      </a:r>
+                      <a:endParaRPr lang="en-US" dirty="0"/>
+                    </a:p>
+                  </a:txBody>
+                  <a:tcPr/>
+                </a:tc>
+                <a:tc>
+                  <a:txBody>
+                    <a:bodyPr/>
+                    <a:lstStyle/>
+                    <a:p>
+                      <a:r>
+                        <a:rPr lang="en-US" dirty="0" smtClean="0"/>
+                        <a:t>Introduction,</a:t>
+                      </a:r>
+                      <a:r>
+                        <a:rPr lang="en-US" baseline="0" dirty="0" smtClean="0"/>
+                        <a:t> System structure</a:t>
+                      </a:r>
+                      <a:endParaRPr lang="en-US" dirty="0"/>
+                    </a:p>
+                  </a:txBody>
+                  <a:tcPr/>
+                </a:tc>
+              </a:tr>
+              <a:tr h="370840">
+                <a:tc>
+                  <a:txBody>
+                    <a:bodyPr/>
+                    <a:lstStyle/>
+                    <a:p>
+                      <a:pPr marL="0" marR="0" indent="0" algn="l" defTabSz="914400" rtl="0" eaLnBrk="1" fontAlgn="auto" latinLnBrk="0" hangingPunct="1">
+                        <a:lnSpc>
+                          <a:spcPct val="100000"/>
+                        </a:lnSpc>
+                        <a:spcBef>
+                          <a:spcPts val="0"/>
+                        </a:spcBef>
+                        <a:spcAft>
+                          <a:spcPts val="0"/>
+                        </a:spcAft>
+                        <a:buClrTx/>
+                        <a:buSzTx/>
+                        <a:buFontTx/>
+                        <a:buNone/>
+                        <a:tabLst/>
+                        <a:defRPr/>
+                      </a:pPr>
+                      <a:r>
+                        <a:rPr lang="en-US" dirty="0" smtClean="0"/>
+                        <a:t>V-SET</a:t>
+                      </a:r>
+                      <a:r>
+                        <a:rPr lang="en-US" baseline="0" dirty="0" smtClean="0"/>
+                        <a:t> v2.0.0</a:t>
+                      </a:r>
+                      <a:endParaRPr lang="en-US" dirty="0" smtClean="0"/>
+                    </a:p>
+                  </a:txBody>
+                  <a:tcPr/>
+                </a:tc>
+                <a:tc>
+                  <a:txBody>
+                    <a:bodyPr/>
+                    <a:lstStyle/>
+                    <a:p>
+                      <a:r>
+                        <a:rPr lang="en-US" dirty="0" smtClean="0"/>
+                        <a:t>New</a:t>
+                      </a:r>
+                      <a:r>
+                        <a:rPr lang="en-US" baseline="0" dirty="0" smtClean="0"/>
+                        <a:t> functions in version 2.0</a:t>
+                      </a:r>
+                      <a:endParaRPr lang="en-US" dirty="0"/>
+                    </a:p>
+                  </a:txBody>
+                  <a:tcPr/>
+                </a:tc>
+              </a:tr>
+            </a:tbl>
+          </a:graphicData>
+        </a:graphic>
+      </p:graphicFrame>
+    </p:spTree>
+    <p:extLst>
+      <p:ext uri="{BB962C8B-B14F-4D97-AF65-F5344CB8AC3E}">
+        <p14:creationId xmlns:p14="http://schemas.microsoft.com/office/powerpoint/2010/main" val="3533278754"/>
+      </p:ext>
+    </p:extLst>
+  </p:cSld>
+  <p:clrMapOvr>
+    <a:masterClrMapping/>
+  </p:clrMapOvr>
+</p:sld>
+</file>
+
+<file path=ppt/slides/slide3.xml><?xml version="1.0" encoding="utf-8"?>
+<p:sld xmlns:a="http://schemas.openxmlformats.org/drawingml/2006/main" xmlns:r="http://schemas.openxmlformats.org/officeDocument/2006/relationships" xmlns:p="http://schemas.openxmlformats.org/presentationml/2006/main">
+  <p:cSld>
+    <p:spTree>
+      <p:nvGrpSpPr>
+        <p:cNvPr id="1" name=""/>
+        <p:cNvGrpSpPr/>
+        <p:nvPr/>
+      </p:nvGrpSpPr>
+      <p:grpSpPr>
+        <a:xfrm>
+          <a:off x="0" y="0"/>
+          <a:ext cx="0" cy="0"/>
+          <a:chOff x="0" y="0"/>
+          <a:chExt cx="0" cy="0"/>
+        </a:xfrm>
+      </p:grpSpPr>
+      <p:sp>
+        <p:nvSpPr>
+          <p:cNvPr id="2" name="標題 1"/>
+          <p:cNvSpPr>
+            <a:spLocks noGrp="1"/>
+          </p:cNvSpPr>
+          <p:nvPr>
+            <p:ph type="title"/>
+          </p:nvPr>
+        </p:nvSpPr>
+        <p:spPr/>
+        <p:txBody>
+          <a:bodyPr/>
+          <a:lstStyle/>
+          <a:p>
+            <a:r>
+              <a:rPr lang="en-US" dirty="0" smtClean="0"/>
               <a:t>Outline</a:t>
             </a:r>
             <a:endParaRPr lang="en-US" dirty="0"/>
@@ -13956,30 +15413,93 @@
         </p:nvSpPr>
         <p:spPr/>
         <p:txBody>
-          <a:bodyPr/>
+          <a:bodyPr>
+            <a:normAutofit lnSpcReduction="10000"/>
+          </a:bodyPr>
           <a:lstStyle/>
-          <a:p>
-            <a:r>
-              <a:rPr lang="en-US" dirty="0" smtClean="0"/>
-              <a:t>Related authoring issues</a:t>
-            </a:r>
-          </a:p>
-          <a:p>
-            <a:r>
-              <a:rPr lang="en-US" dirty="0" smtClean="0"/>
-              <a:t>Elements of stories</a:t>
-            </a:r>
-          </a:p>
-          <a:p>
-            <a:r>
-              <a:rPr lang="en-US" dirty="0" smtClean="0"/>
-              <a:t>Subsystems/ Packages with Data Flow</a:t>
-            </a:r>
-          </a:p>
           <a:p>
             <a:pPr marL="68580" indent="0">
               <a:buNone/>
             </a:pPr>
+            <a:r>
+              <a:rPr lang="en-US" dirty="0" smtClean="0"/>
+              <a:t>Content in version 1: (P4 ~P7)</a:t>
+            </a:r>
+          </a:p>
+          <a:p>
+            <a:r>
+              <a:rPr lang="en-US" dirty="0" smtClean="0"/>
+              <a:t>Related </a:t>
+            </a:r>
+            <a:r>
+              <a:rPr lang="en-US" dirty="0" smtClean="0"/>
+              <a:t>authoring issues</a:t>
+            </a:r>
+          </a:p>
+          <a:p>
+            <a:r>
+              <a:rPr lang="en-US" dirty="0" smtClean="0"/>
+              <a:t>Elements of </a:t>
+            </a:r>
+            <a:r>
+              <a:rPr lang="en-US" dirty="0" smtClean="0"/>
+              <a:t>stories</a:t>
+            </a:r>
+            <a:endParaRPr lang="en-US" dirty="0" smtClean="0"/>
+          </a:p>
+          <a:p>
+            <a:pPr marL="68580" indent="0">
+              <a:buNone/>
+            </a:pPr>
+            <a:endParaRPr lang="en-US" dirty="0" smtClean="0"/>
+          </a:p>
+          <a:p>
+            <a:pPr marL="68580" indent="0">
+              <a:buNone/>
+            </a:pPr>
+            <a:r>
+              <a:rPr lang="en-US" dirty="0" smtClean="0"/>
+              <a:t>Update for final project, version 2</a:t>
+            </a:r>
+            <a:r>
+              <a:rPr lang="en-US" smtClean="0"/>
+              <a:t>:</a:t>
+            </a:r>
+            <a:r>
+              <a:rPr lang="en-US"/>
+              <a:t>(</a:t>
+            </a:r>
+            <a:r>
+              <a:rPr lang="en-US" smtClean="0"/>
+              <a:t>P8 </a:t>
+            </a:r>
+            <a:r>
+              <a:rPr lang="en-US"/>
+              <a:t>~</a:t>
+            </a:r>
+            <a:r>
+              <a:rPr lang="en-US" smtClean="0"/>
+              <a:t>P14)</a:t>
+            </a:r>
+            <a:endParaRPr lang="en-US" dirty="0"/>
+          </a:p>
+          <a:p>
+            <a:pPr marL="68580" indent="0">
+              <a:buNone/>
+            </a:pPr>
+            <a:endParaRPr lang="en-US" dirty="0" smtClean="0"/>
+          </a:p>
+          <a:p>
+            <a:r>
+              <a:rPr lang="en-US" dirty="0" smtClean="0"/>
+              <a:t>Alternative story queue</a:t>
+            </a:r>
+          </a:p>
+          <a:p>
+            <a:r>
+              <a:rPr lang="en-US" dirty="0" smtClean="0"/>
+              <a:t>Interface</a:t>
+            </a:r>
             <a:endParaRPr lang="en-US" dirty="0" smtClean="0"/>
           </a:p>
           <a:p>
@@ -14000,7 +15520,7 @@
 </p:sld>
 </file>
 
-<file path=ppt/slides/slide3.xml><?xml version="1.0" encoding="utf-8"?>
+<file path=ppt/slides/slide4.xml><?xml version="1.0" encoding="utf-8"?>
 <p:sld xmlns:a="http://schemas.openxmlformats.org/drawingml/2006/main" xmlns:r="http://schemas.openxmlformats.org/officeDocument/2006/relationships" xmlns:p="http://schemas.openxmlformats.org/presentationml/2006/main">
   <p:cSld>
     <p:spTree>
@@ -14117,7 +15637,7 @@
 </p:sld>
 </file>
 
-<file path=ppt/slides/slide4.xml><?xml version="1.0" encoding="utf-8"?>
+<file path=ppt/slides/slide5.xml><?xml version="1.0" encoding="utf-8"?>
 <p:sld xmlns:a="http://schemas.openxmlformats.org/drawingml/2006/main" xmlns:r="http://schemas.openxmlformats.org/officeDocument/2006/relationships" xmlns:p="http://schemas.openxmlformats.org/presentationml/2006/main">
   <p:cSld>
     <p:spTree>
@@ -14215,13 +15735,6 @@
             </a:r>
           </a:p>
           <a:p>
-            <a:pPr lvl="1"/>
-            <a:r>
-              <a:rPr lang="en-US" dirty="0" smtClean="0"/>
-              <a:t>Character emotions</a:t>
-            </a:r>
-          </a:p>
-          <a:p>
             <a:endParaRPr lang="en-US" dirty="0"/>
           </a:p>
           <a:p>
@@ -14248,7 +15761,7 @@
 </p:sld>
 </file>
 
-<file path=ppt/slides/slide5.xml><?xml version="1.0" encoding="utf-8"?>
+<file path=ppt/slides/slide6.xml><?xml version="1.0" encoding="utf-8"?>
 <p:sld xmlns:a="http://schemas.openxmlformats.org/drawingml/2006/main" xmlns:r="http://schemas.openxmlformats.org/officeDocument/2006/relationships" xmlns:p="http://schemas.openxmlformats.org/presentationml/2006/main">
   <p:cSld>
     <p:spTree>
@@ -14483,68 +15996,8 @@
         </p:blipFill>
         <p:spPr>
           <a:xfrm>
-            <a:off x="1828800" y="3946585"/>
+            <a:off x="3389460" y="3900457"/>
             <a:ext cx="1625397" cy="1625397"/>
-          </a:xfrm>
-          <a:prstGeom prst="rect">
-            <a:avLst/>
-          </a:prstGeom>
-        </p:spPr>
-      </p:pic>
-      <p:pic>
-        <p:nvPicPr>
-          <p:cNvPr id="10" name="圖片 9"/>
-          <p:cNvPicPr>
-            <a:picLocks noChangeAspect="1"/>
-          </p:cNvPicPr>
-          <p:nvPr/>
-        </p:nvPicPr>
-        <p:blipFill>
-          <a:blip r:embed="rId5">
-            <a:extLst>
-              <a:ext uri="{28A0092B-C50C-407E-A947-70E740481C1C}">
-                <a14:useLocalDpi xmlns:a14="http://schemas.microsoft.com/office/drawing/2010/main" val="0"/>
-              </a:ext>
-            </a:extLst>
-          </a:blip>
-          <a:stretch>
-            <a:fillRect/>
-          </a:stretch>
-        </p:blipFill>
-        <p:spPr>
-          <a:xfrm>
-            <a:off x="5841899" y="4419600"/>
-            <a:ext cx="812699" cy="812699"/>
-          </a:xfrm>
-          <a:prstGeom prst="rect">
-            <a:avLst/>
-          </a:prstGeom>
-        </p:spPr>
-      </p:pic>
-      <p:pic>
-        <p:nvPicPr>
-          <p:cNvPr id="11" name="圖片 10"/>
-          <p:cNvPicPr>
-            <a:picLocks noChangeAspect="1"/>
-          </p:cNvPicPr>
-          <p:nvPr/>
-        </p:nvPicPr>
-        <p:blipFill>
-          <a:blip r:embed="rId6">
-            <a:extLst>
-              <a:ext uri="{28A0092B-C50C-407E-A947-70E740481C1C}">
-                <a14:useLocalDpi xmlns:a14="http://schemas.microsoft.com/office/drawing/2010/main" val="0"/>
-              </a:ext>
-            </a:extLst>
-          </a:blip>
-          <a:stretch>
-            <a:fillRect/>
-          </a:stretch>
-        </p:blipFill>
-        <p:spPr>
-          <a:xfrm>
-            <a:off x="5029200" y="4419600"/>
-            <a:ext cx="812699" cy="812699"/>
           </a:xfrm>
           <a:prstGeom prst="rect">
             <a:avLst/>
@@ -14619,7 +16072,7 @@
         </p:nvSpPr>
         <p:spPr>
           <a:xfrm>
-            <a:off x="1508185" y="5341188"/>
+            <a:off x="3068845" y="5295060"/>
             <a:ext cx="2133600" cy="369332"/>
           </a:xfrm>
           <a:prstGeom prst="rect">
@@ -14636,36 +16089,6 @@
             <a:r>
               <a:rPr lang="en-US" dirty="0" smtClean="0"/>
               <a:t>Interaction content</a:t>
-            </a:r>
-            <a:endParaRPr lang="en-US" dirty="0"/>
-          </a:p>
-        </p:txBody>
-      </p:sp>
-      <p:sp>
-        <p:nvSpPr>
-          <p:cNvPr id="15" name="文字方塊 14"/>
-          <p:cNvSpPr txBox="1"/>
-          <p:nvPr/>
-        </p:nvSpPr>
-        <p:spPr>
-          <a:xfrm>
-            <a:off x="4997604" y="5341188"/>
-            <a:ext cx="2133600" cy="369332"/>
-          </a:xfrm>
-          <a:prstGeom prst="rect">
-            <a:avLst/>
-          </a:prstGeom>
-          <a:noFill/>
-        </p:spPr>
-        <p:txBody>
-          <a:bodyPr wrap="square" rtlCol="0">
-            <a:spAutoFit/>
-          </a:bodyPr>
-          <a:lstStyle/>
-          <a:p>
-            <a:r>
-              <a:rPr lang="en-US" dirty="0" smtClean="0"/>
-              <a:t>Emotions</a:t>
             </a:r>
             <a:endParaRPr lang="en-US" dirty="0"/>
           </a:p>
@@ -14784,362 +16207,7 @@
 </p:sld>
 </file>
 
-<file path=ppt/slides/slide6.xml><?xml version="1.0" encoding="utf-8"?>
-<p:sld xmlns:a="http://schemas.openxmlformats.org/drawingml/2006/main" xmlns:r="http://schemas.openxmlformats.org/officeDocument/2006/relationships" xmlns:p="http://schemas.openxmlformats.org/presentationml/2006/main">
-  <p:cSld>
-    <p:spTree>
-      <p:nvGrpSpPr>
-        <p:cNvPr id="1" name=""/>
-        <p:cNvGrpSpPr/>
-        <p:nvPr/>
-      </p:nvGrpSpPr>
-      <p:grpSpPr>
-        <a:xfrm>
-          <a:off x="0" y="0"/>
-          <a:ext cx="0" cy="0"/>
-          <a:chOff x="0" y="0"/>
-          <a:chExt cx="0" cy="0"/>
-        </a:xfrm>
-      </p:grpSpPr>
-      <p:sp>
-        <p:nvSpPr>
-          <p:cNvPr id="2" name="標題 1"/>
-          <p:cNvSpPr>
-            <a:spLocks noGrp="1"/>
-          </p:cNvSpPr>
-          <p:nvPr>
-            <p:ph type="title"/>
-          </p:nvPr>
-        </p:nvSpPr>
-        <p:spPr/>
-        <p:txBody>
-          <a:bodyPr/>
-          <a:lstStyle/>
-          <a:p>
-            <a:r>
-              <a:rPr lang="en-US" dirty="0"/>
-              <a:t>Subsystem/Package</a:t>
-            </a:r>
-          </a:p>
-        </p:txBody>
-      </p:sp>
-      <p:sp>
-        <p:nvSpPr>
-          <p:cNvPr id="3" name="內容版面配置區 2"/>
-          <p:cNvSpPr>
-            <a:spLocks noGrp="1"/>
-          </p:cNvSpPr>
-          <p:nvPr>
-            <p:ph idx="1"/>
-          </p:nvPr>
-        </p:nvSpPr>
-        <p:spPr/>
-        <p:txBody>
-          <a:bodyPr/>
-          <a:lstStyle/>
-          <a:p>
-            <a:r>
-              <a:rPr lang="en-US" dirty="0" smtClean="0"/>
-              <a:t>Interface</a:t>
-            </a:r>
-          </a:p>
-          <a:p>
-            <a:r>
-              <a:rPr lang="en-US" dirty="0" smtClean="0"/>
-              <a:t>Editing buffer</a:t>
-            </a:r>
-          </a:p>
-          <a:p>
-            <a:r>
-              <a:rPr lang="en-US" dirty="0" smtClean="0"/>
-              <a:t>Look up maps</a:t>
-            </a:r>
-          </a:p>
-          <a:p>
-            <a:r>
-              <a:rPr lang="en-US" dirty="0" smtClean="0"/>
-              <a:t>Display queue</a:t>
-            </a:r>
-          </a:p>
-          <a:p>
-            <a:r>
-              <a:rPr lang="en-US" dirty="0" smtClean="0"/>
-              <a:t>Storage of visual materials and content</a:t>
-            </a:r>
-            <a:endParaRPr lang="en-US" dirty="0"/>
-          </a:p>
-        </p:txBody>
-      </p:sp>
-    </p:spTree>
-    <p:extLst>
-      <p:ext uri="{BB962C8B-B14F-4D97-AF65-F5344CB8AC3E}">
-        <p14:creationId xmlns:p14="http://schemas.microsoft.com/office/powerpoint/2010/main" val="2742198116"/>
-      </p:ext>
-    </p:extLst>
-  </p:cSld>
-  <p:clrMapOvr>
-    <a:masterClrMapping/>
-  </p:clrMapOvr>
-</p:sld>
-</file>
-
 <file path=ppt/slides/slide7.xml><?xml version="1.0" encoding="utf-8"?>
-<p:sld xmlns:a="http://schemas.openxmlformats.org/drawingml/2006/main" xmlns:r="http://schemas.openxmlformats.org/officeDocument/2006/relationships" xmlns:p="http://schemas.openxmlformats.org/presentationml/2006/main">
-  <p:cSld>
-    <p:spTree>
-      <p:nvGrpSpPr>
-        <p:cNvPr id="1" name=""/>
-        <p:cNvGrpSpPr/>
-        <p:nvPr/>
-      </p:nvGrpSpPr>
-      <p:grpSpPr>
-        <a:xfrm>
-          <a:off x="0" y="0"/>
-          <a:ext cx="0" cy="0"/>
-          <a:chOff x="0" y="0"/>
-          <a:chExt cx="0" cy="0"/>
-        </a:xfrm>
-      </p:grpSpPr>
-      <p:sp>
-        <p:nvSpPr>
-          <p:cNvPr id="2" name="標題 1"/>
-          <p:cNvSpPr>
-            <a:spLocks noGrp="1"/>
-          </p:cNvSpPr>
-          <p:nvPr>
-            <p:ph type="title"/>
-          </p:nvPr>
-        </p:nvSpPr>
-        <p:spPr/>
-        <p:txBody>
-          <a:bodyPr/>
-          <a:lstStyle/>
-          <a:p>
-            <a:r>
-              <a:rPr lang="en-US" dirty="0" smtClean="0"/>
-              <a:t>Subsystem/Package</a:t>
-            </a:r>
-            <a:endParaRPr lang="en-US" dirty="0"/>
-          </a:p>
-        </p:txBody>
-      </p:sp>
-      <p:sp>
-        <p:nvSpPr>
-          <p:cNvPr id="3" name="內容版面配置區 2"/>
-          <p:cNvSpPr>
-            <a:spLocks noGrp="1"/>
-          </p:cNvSpPr>
-          <p:nvPr>
-            <p:ph idx="1"/>
-          </p:nvPr>
-        </p:nvSpPr>
-        <p:spPr>
-          <a:xfrm>
-            <a:off x="1043492" y="2323652"/>
-            <a:ext cx="6777317" cy="4000948"/>
-          </a:xfrm>
-        </p:spPr>
-        <p:txBody>
-          <a:bodyPr>
-            <a:normAutofit/>
-          </a:bodyPr>
-          <a:lstStyle/>
-          <a:p>
-            <a:r>
-              <a:rPr lang="en-US" b="1" dirty="0" smtClean="0"/>
-              <a:t>Interface</a:t>
-            </a:r>
-            <a:r>
-              <a:rPr lang="en-US" dirty="0" smtClean="0"/>
-              <a:t> </a:t>
-            </a:r>
-          </a:p>
-          <a:p>
-            <a:pPr lvl="1"/>
-            <a:r>
-              <a:rPr lang="en-US" dirty="0" smtClean="0"/>
-              <a:t>the users (authors) access the editing functions through graphical interface.</a:t>
-            </a:r>
-          </a:p>
-          <a:p>
-            <a:pPr lvl="1"/>
-            <a:r>
-              <a:rPr lang="en-US" dirty="0" smtClean="0"/>
-              <a:t>Readers see the story content or interact with content through interface.</a:t>
-            </a:r>
-          </a:p>
-          <a:p>
-            <a:pPr lvl="1"/>
-            <a:endParaRPr lang="en-US" dirty="0" smtClean="0"/>
-          </a:p>
-          <a:p>
-            <a:r>
-              <a:rPr lang="en-US" b="1" dirty="0" smtClean="0"/>
-              <a:t>Editing buffer</a:t>
-            </a:r>
-            <a:endParaRPr lang="en-US" dirty="0"/>
-          </a:p>
-          <a:p>
-            <a:pPr lvl="1"/>
-            <a:r>
-              <a:rPr lang="en-US" dirty="0" smtClean="0"/>
-              <a:t>input content are stored in buffer until authors confirm those editing.</a:t>
-            </a:r>
-          </a:p>
-        </p:txBody>
-      </p:sp>
-    </p:spTree>
-    <p:extLst>
-      <p:ext uri="{BB962C8B-B14F-4D97-AF65-F5344CB8AC3E}">
-        <p14:creationId xmlns:p14="http://schemas.microsoft.com/office/powerpoint/2010/main" val="1144481990"/>
-      </p:ext>
-    </p:extLst>
-  </p:cSld>
-  <p:clrMapOvr>
-    <a:masterClrMapping/>
-  </p:clrMapOvr>
-</p:sld>
-</file>
-
-<file path=ppt/slides/slide8.xml><?xml version="1.0" encoding="utf-8"?>
-<p:sld xmlns:a="http://schemas.openxmlformats.org/drawingml/2006/main" xmlns:r="http://schemas.openxmlformats.org/officeDocument/2006/relationships" xmlns:p="http://schemas.openxmlformats.org/presentationml/2006/main">
-  <p:cSld>
-    <p:spTree>
-      <p:nvGrpSpPr>
-        <p:cNvPr id="1" name=""/>
-        <p:cNvGrpSpPr/>
-        <p:nvPr/>
-      </p:nvGrpSpPr>
-      <p:grpSpPr>
-        <a:xfrm>
-          <a:off x="0" y="0"/>
-          <a:ext cx="0" cy="0"/>
-          <a:chOff x="0" y="0"/>
-          <a:chExt cx="0" cy="0"/>
-        </a:xfrm>
-      </p:grpSpPr>
-      <p:sp>
-        <p:nvSpPr>
-          <p:cNvPr id="2" name="標題 1"/>
-          <p:cNvSpPr>
-            <a:spLocks noGrp="1"/>
-          </p:cNvSpPr>
-          <p:nvPr>
-            <p:ph type="title"/>
-          </p:nvPr>
-        </p:nvSpPr>
-        <p:spPr/>
-        <p:txBody>
-          <a:bodyPr/>
-          <a:lstStyle/>
-          <a:p>
-            <a:r>
-              <a:rPr lang="en-US" dirty="0"/>
-              <a:t>Subsystem/Package</a:t>
-            </a:r>
-          </a:p>
-        </p:txBody>
-      </p:sp>
-      <p:sp>
-        <p:nvSpPr>
-          <p:cNvPr id="3" name="內容版面配置區 2"/>
-          <p:cNvSpPr>
-            <a:spLocks noGrp="1"/>
-          </p:cNvSpPr>
-          <p:nvPr>
-            <p:ph idx="1"/>
-          </p:nvPr>
-        </p:nvSpPr>
-        <p:spPr>
-          <a:xfrm>
-            <a:off x="1043492" y="2323652"/>
-            <a:ext cx="6777317" cy="4077148"/>
-          </a:xfrm>
-        </p:spPr>
-        <p:txBody>
-          <a:bodyPr/>
-          <a:lstStyle/>
-          <a:p>
-            <a:r>
-              <a:rPr lang="en-US" b="1" dirty="0"/>
-              <a:t>Look up </a:t>
-            </a:r>
-            <a:r>
-              <a:rPr lang="en-US" b="1" dirty="0" smtClean="0"/>
-              <a:t>maps</a:t>
-            </a:r>
-          </a:p>
-          <a:p>
-            <a:pPr lvl="1"/>
-            <a:r>
-              <a:rPr lang="en-US" dirty="0" smtClean="0"/>
-              <a:t>Confirmed content should be stored in map, for quick re-editing and retrieving.</a:t>
-            </a:r>
-          </a:p>
-          <a:p>
-            <a:pPr lvl="1"/>
-            <a:endParaRPr lang="en-US" dirty="0"/>
-          </a:p>
-          <a:p>
-            <a:r>
-              <a:rPr lang="en-US" b="1" dirty="0"/>
-              <a:t>Display </a:t>
-            </a:r>
-            <a:r>
-              <a:rPr lang="en-US" b="1" dirty="0" smtClean="0"/>
-              <a:t>queue</a:t>
-            </a:r>
-          </a:p>
-          <a:p>
-            <a:pPr lvl="1"/>
-            <a:r>
-              <a:rPr lang="en-US" dirty="0" smtClean="0"/>
-              <a:t>Finished content will be added into queue according to discoursed time.</a:t>
-            </a:r>
-            <a:endParaRPr lang="en-US" dirty="0"/>
-          </a:p>
-          <a:p>
-            <a:endParaRPr lang="en-US" b="1" dirty="0" smtClean="0"/>
-          </a:p>
-          <a:p>
-            <a:r>
-              <a:rPr lang="en-US" b="1" dirty="0" smtClean="0"/>
-              <a:t>Storage </a:t>
-            </a:r>
-            <a:r>
-              <a:rPr lang="en-US" b="1" dirty="0"/>
-              <a:t>for visual </a:t>
-            </a:r>
-            <a:r>
-              <a:rPr lang="en-US" b="1" dirty="0" smtClean="0"/>
-              <a:t>materials and content</a:t>
-            </a:r>
-          </a:p>
-          <a:p>
-            <a:pPr marL="365760" lvl="1" indent="0">
-              <a:buNone/>
-            </a:pPr>
-            <a:endParaRPr lang="en-US" b="1" dirty="0"/>
-          </a:p>
-          <a:p>
-            <a:endParaRPr lang="en-US" dirty="0"/>
-          </a:p>
-        </p:txBody>
-      </p:sp>
-    </p:spTree>
-    <p:extLst>
-      <p:ext uri="{BB962C8B-B14F-4D97-AF65-F5344CB8AC3E}">
-        <p14:creationId xmlns:p14="http://schemas.microsoft.com/office/powerpoint/2010/main" val="2116405286"/>
-      </p:ext>
-    </p:extLst>
-  </p:cSld>
-  <p:clrMapOvr>
-    <a:masterClrMapping/>
-  </p:clrMapOvr>
-</p:sld>
-</file>
-
-<file path=ppt/slides/slide9.xml><?xml version="1.0" encoding="utf-8"?>
 <p:sld xmlns:a="http://schemas.openxmlformats.org/drawingml/2006/main" xmlns:r="http://schemas.openxmlformats.org/officeDocument/2006/relationships" xmlns:p="http://schemas.openxmlformats.org/presentationml/2006/main">
   <p:cSld>
     <p:spTree>
@@ -16251,6 +17319,906 @@
     <p:extLst>
       <p:ext uri="{BB962C8B-B14F-4D97-AF65-F5344CB8AC3E}">
         <p14:creationId xmlns:p14="http://schemas.microsoft.com/office/powerpoint/2010/main" val="2780529834"/>
+      </p:ext>
+    </p:extLst>
+  </p:cSld>
+  <p:clrMapOvr>
+    <a:masterClrMapping/>
+  </p:clrMapOvr>
+</p:sld>
+</file>
+
+<file path=ppt/slides/slide8.xml><?xml version="1.0" encoding="utf-8"?>
+<p:sld xmlns:a="http://schemas.openxmlformats.org/drawingml/2006/main" xmlns:r="http://schemas.openxmlformats.org/officeDocument/2006/relationships" xmlns:p="http://schemas.openxmlformats.org/presentationml/2006/main">
+  <p:cSld>
+    <p:spTree>
+      <p:nvGrpSpPr>
+        <p:cNvPr id="1" name=""/>
+        <p:cNvGrpSpPr/>
+        <p:nvPr/>
+      </p:nvGrpSpPr>
+      <p:grpSpPr>
+        <a:xfrm>
+          <a:off x="0" y="0"/>
+          <a:ext cx="0" cy="0"/>
+          <a:chOff x="0" y="0"/>
+          <a:chExt cx="0" cy="0"/>
+        </a:xfrm>
+      </p:grpSpPr>
+      <p:sp>
+        <p:nvSpPr>
+          <p:cNvPr id="2" name="標題 1"/>
+          <p:cNvSpPr>
+            <a:spLocks noGrp="1"/>
+          </p:cNvSpPr>
+          <p:nvPr>
+            <p:ph type="title"/>
+          </p:nvPr>
+        </p:nvSpPr>
+        <p:spPr/>
+        <p:txBody>
+          <a:bodyPr/>
+          <a:lstStyle/>
+          <a:p>
+            <a:r>
+              <a:rPr lang="en-US" dirty="0" smtClean="0"/>
+              <a:t>New Functions in V2</a:t>
+            </a:r>
+            <a:endParaRPr lang="en-US" dirty="0"/>
+          </a:p>
+        </p:txBody>
+      </p:sp>
+      <p:sp>
+        <p:nvSpPr>
+          <p:cNvPr id="3" name="內容版面配置區 2"/>
+          <p:cNvSpPr>
+            <a:spLocks noGrp="1"/>
+          </p:cNvSpPr>
+          <p:nvPr>
+            <p:ph idx="1"/>
+          </p:nvPr>
+        </p:nvSpPr>
+        <p:spPr/>
+        <p:txBody>
+          <a:bodyPr/>
+          <a:lstStyle/>
+          <a:p>
+            <a:r>
+              <a:rPr lang="en-US" dirty="0" smtClean="0"/>
+              <a:t>In version 2, V-SET support new functions:</a:t>
+            </a:r>
+          </a:p>
+          <a:p>
+            <a:pPr lvl="1"/>
+            <a:r>
+              <a:rPr lang="en-US" dirty="0" smtClean="0"/>
+              <a:t>Create story branches.</a:t>
+            </a:r>
+          </a:p>
+          <a:p>
+            <a:pPr lvl="1"/>
+            <a:r>
+              <a:rPr lang="en-US" dirty="0" smtClean="0"/>
+              <a:t>Transition conditions between story branches.</a:t>
+            </a:r>
+          </a:p>
+          <a:p>
+            <a:pPr lvl="1"/>
+            <a:r>
+              <a:rPr lang="en-US" dirty="0" smtClean="0"/>
+              <a:t>Add multiple choice questions to take in user input.</a:t>
+            </a:r>
+          </a:p>
+          <a:p>
+            <a:pPr lvl="1"/>
+            <a:endParaRPr lang="en-US" dirty="0" smtClean="0"/>
+          </a:p>
+          <a:p>
+            <a:pPr lvl="1"/>
+            <a:endParaRPr lang="en-US" dirty="0"/>
+          </a:p>
+        </p:txBody>
+      </p:sp>
+    </p:spTree>
+    <p:extLst>
+      <p:ext uri="{BB962C8B-B14F-4D97-AF65-F5344CB8AC3E}">
+        <p14:creationId xmlns:p14="http://schemas.microsoft.com/office/powerpoint/2010/main" val="1560598238"/>
+      </p:ext>
+    </p:extLst>
+  </p:cSld>
+  <p:clrMapOvr>
+    <a:masterClrMapping/>
+  </p:clrMapOvr>
+</p:sld>
+</file>
+
+<file path=ppt/slides/slide9.xml><?xml version="1.0" encoding="utf-8"?>
+<p:sld xmlns:a="http://schemas.openxmlformats.org/drawingml/2006/main" xmlns:r="http://schemas.openxmlformats.org/officeDocument/2006/relationships" xmlns:p="http://schemas.openxmlformats.org/presentationml/2006/main">
+  <p:cSld>
+    <p:spTree>
+      <p:nvGrpSpPr>
+        <p:cNvPr id="1" name=""/>
+        <p:cNvGrpSpPr/>
+        <p:nvPr/>
+      </p:nvGrpSpPr>
+      <p:grpSpPr>
+        <a:xfrm>
+          <a:off x="0" y="0"/>
+          <a:ext cx="0" cy="0"/>
+          <a:chOff x="0" y="0"/>
+          <a:chExt cx="0" cy="0"/>
+        </a:xfrm>
+      </p:grpSpPr>
+      <p:sp>
+        <p:nvSpPr>
+          <p:cNvPr id="2" name="標題 1"/>
+          <p:cNvSpPr>
+            <a:spLocks noGrp="1"/>
+          </p:cNvSpPr>
+          <p:nvPr>
+            <p:ph type="title"/>
+          </p:nvPr>
+        </p:nvSpPr>
+        <p:spPr/>
+        <p:txBody>
+          <a:bodyPr/>
+          <a:lstStyle/>
+          <a:p>
+            <a:r>
+              <a:rPr lang="en-US" dirty="0" smtClean="0"/>
+              <a:t>Alternative Story Queue</a:t>
+            </a:r>
+            <a:endParaRPr lang="en-US" dirty="0"/>
+          </a:p>
+        </p:txBody>
+      </p:sp>
+      <p:sp>
+        <p:nvSpPr>
+          <p:cNvPr id="7" name="內容版面配置區 6"/>
+          <p:cNvSpPr>
+            <a:spLocks noGrp="1"/>
+          </p:cNvSpPr>
+          <p:nvPr>
+            <p:ph sz="quarter" idx="13"/>
+          </p:nvPr>
+        </p:nvSpPr>
+        <p:spPr/>
+        <p:txBody>
+          <a:bodyPr/>
+          <a:lstStyle/>
+          <a:p>
+            <a:r>
+              <a:rPr lang="en-US" dirty="0" smtClean="0"/>
+              <a:t>Original story queue</a:t>
+            </a:r>
+            <a:endParaRPr lang="en-US" dirty="0"/>
+          </a:p>
+        </p:txBody>
+      </p:sp>
+      <p:sp>
+        <p:nvSpPr>
+          <p:cNvPr id="8" name="內容版面配置區 7"/>
+          <p:cNvSpPr>
+            <a:spLocks noGrp="1"/>
+          </p:cNvSpPr>
+          <p:nvPr>
+            <p:ph sz="quarter" idx="14"/>
+          </p:nvPr>
+        </p:nvSpPr>
+        <p:spPr/>
+        <p:txBody>
+          <a:bodyPr/>
+          <a:lstStyle/>
+          <a:p>
+            <a:r>
+              <a:rPr lang="en-US" dirty="0" smtClean="0"/>
+              <a:t>Multiple story queue</a:t>
+            </a:r>
+            <a:endParaRPr lang="en-US" dirty="0"/>
+          </a:p>
+        </p:txBody>
+      </p:sp>
+      <p:cxnSp>
+        <p:nvCxnSpPr>
+          <p:cNvPr id="5" name="直線接點 4"/>
+          <p:cNvCxnSpPr/>
+          <p:nvPr/>
+        </p:nvCxnSpPr>
+        <p:spPr>
+          <a:xfrm>
+            <a:off x="1219200" y="2895600"/>
+            <a:ext cx="2971800" cy="0"/>
+          </a:xfrm>
+          <a:prstGeom prst="line">
+            <a:avLst/>
+          </a:prstGeom>
+          <a:ln w="22225"/>
+        </p:spPr>
+        <p:style>
+          <a:lnRef idx="1">
+            <a:schemeClr val="accent1"/>
+          </a:lnRef>
+          <a:fillRef idx="0">
+            <a:schemeClr val="accent1"/>
+          </a:fillRef>
+          <a:effectRef idx="0">
+            <a:schemeClr val="accent1"/>
+          </a:effectRef>
+          <a:fontRef idx="minor">
+            <a:schemeClr val="tx1"/>
+          </a:fontRef>
+        </p:style>
+      </p:cxnSp>
+      <p:cxnSp>
+        <p:nvCxnSpPr>
+          <p:cNvPr id="6" name="直線接點 5"/>
+          <p:cNvCxnSpPr/>
+          <p:nvPr/>
+        </p:nvCxnSpPr>
+        <p:spPr>
+          <a:xfrm>
+            <a:off x="1219200" y="3429000"/>
+            <a:ext cx="2971800" cy="0"/>
+          </a:xfrm>
+          <a:prstGeom prst="line">
+            <a:avLst/>
+          </a:prstGeom>
+          <a:ln w="22225"/>
+        </p:spPr>
+        <p:style>
+          <a:lnRef idx="1">
+            <a:schemeClr val="accent1"/>
+          </a:lnRef>
+          <a:fillRef idx="0">
+            <a:schemeClr val="accent1"/>
+          </a:fillRef>
+          <a:effectRef idx="0">
+            <a:schemeClr val="accent1"/>
+          </a:effectRef>
+          <a:fontRef idx="minor">
+            <a:schemeClr val="tx1"/>
+          </a:fontRef>
+        </p:style>
+      </p:cxnSp>
+      <p:cxnSp>
+        <p:nvCxnSpPr>
+          <p:cNvPr id="9" name="直線接點 8"/>
+          <p:cNvCxnSpPr/>
+          <p:nvPr/>
+        </p:nvCxnSpPr>
+        <p:spPr>
+          <a:xfrm>
+            <a:off x="4953000" y="3006306"/>
+            <a:ext cx="2971800" cy="0"/>
+          </a:xfrm>
+          <a:prstGeom prst="line">
+            <a:avLst/>
+          </a:prstGeom>
+          <a:ln w="22225"/>
+        </p:spPr>
+        <p:style>
+          <a:lnRef idx="1">
+            <a:schemeClr val="accent1"/>
+          </a:lnRef>
+          <a:fillRef idx="0">
+            <a:schemeClr val="accent1"/>
+          </a:fillRef>
+          <a:effectRef idx="0">
+            <a:schemeClr val="accent1"/>
+          </a:effectRef>
+          <a:fontRef idx="minor">
+            <a:schemeClr val="tx1"/>
+          </a:fontRef>
+        </p:style>
+      </p:cxnSp>
+      <p:cxnSp>
+        <p:nvCxnSpPr>
+          <p:cNvPr id="10" name="直線接點 9"/>
+          <p:cNvCxnSpPr/>
+          <p:nvPr/>
+        </p:nvCxnSpPr>
+        <p:spPr>
+          <a:xfrm>
+            <a:off x="4953000" y="3539706"/>
+            <a:ext cx="2971800" cy="0"/>
+          </a:xfrm>
+          <a:prstGeom prst="line">
+            <a:avLst/>
+          </a:prstGeom>
+          <a:ln w="22225"/>
+        </p:spPr>
+        <p:style>
+          <a:lnRef idx="1">
+            <a:schemeClr val="accent1"/>
+          </a:lnRef>
+          <a:fillRef idx="0">
+            <a:schemeClr val="accent1"/>
+          </a:fillRef>
+          <a:effectRef idx="0">
+            <a:schemeClr val="accent1"/>
+          </a:effectRef>
+          <a:fontRef idx="minor">
+            <a:schemeClr val="tx1"/>
+          </a:fontRef>
+        </p:style>
+      </p:cxnSp>
+      <p:cxnSp>
+        <p:nvCxnSpPr>
+          <p:cNvPr id="11" name="直線接點 10"/>
+          <p:cNvCxnSpPr/>
+          <p:nvPr/>
+        </p:nvCxnSpPr>
+        <p:spPr>
+          <a:xfrm>
+            <a:off x="4953000" y="3886200"/>
+            <a:ext cx="2971800" cy="0"/>
+          </a:xfrm>
+          <a:prstGeom prst="line">
+            <a:avLst/>
+          </a:prstGeom>
+          <a:ln w="22225"/>
+        </p:spPr>
+        <p:style>
+          <a:lnRef idx="1">
+            <a:schemeClr val="accent1"/>
+          </a:lnRef>
+          <a:fillRef idx="0">
+            <a:schemeClr val="accent1"/>
+          </a:fillRef>
+          <a:effectRef idx="0">
+            <a:schemeClr val="accent1"/>
+          </a:effectRef>
+          <a:fontRef idx="minor">
+            <a:schemeClr val="tx1"/>
+          </a:fontRef>
+        </p:style>
+      </p:cxnSp>
+      <p:cxnSp>
+        <p:nvCxnSpPr>
+          <p:cNvPr id="12" name="直線接點 11"/>
+          <p:cNvCxnSpPr/>
+          <p:nvPr/>
+        </p:nvCxnSpPr>
+        <p:spPr>
+          <a:xfrm>
+            <a:off x="4953000" y="4419600"/>
+            <a:ext cx="2971800" cy="0"/>
+          </a:xfrm>
+          <a:prstGeom prst="line">
+            <a:avLst/>
+          </a:prstGeom>
+          <a:ln w="22225"/>
+        </p:spPr>
+        <p:style>
+          <a:lnRef idx="1">
+            <a:schemeClr val="accent1"/>
+          </a:lnRef>
+          <a:fillRef idx="0">
+            <a:schemeClr val="accent1"/>
+          </a:fillRef>
+          <a:effectRef idx="0">
+            <a:schemeClr val="accent1"/>
+          </a:effectRef>
+          <a:fontRef idx="minor">
+            <a:schemeClr val="tx1"/>
+          </a:fontRef>
+        </p:style>
+      </p:cxnSp>
+      <p:sp>
+        <p:nvSpPr>
+          <p:cNvPr id="13" name="矩形 12"/>
+          <p:cNvSpPr/>
+          <p:nvPr/>
+        </p:nvSpPr>
+        <p:spPr>
+          <a:xfrm>
+            <a:off x="1066800" y="2985459"/>
+            <a:ext cx="914400" cy="346494"/>
+          </a:xfrm>
+          <a:prstGeom prst="rect">
+            <a:avLst/>
+          </a:prstGeom>
+        </p:spPr>
+        <p:style>
+          <a:lnRef idx="2">
+            <a:schemeClr val="accent1">
+              <a:shade val="50000"/>
+            </a:schemeClr>
+          </a:lnRef>
+          <a:fillRef idx="1">
+            <a:schemeClr val="accent1"/>
+          </a:fillRef>
+          <a:effectRef idx="0">
+            <a:schemeClr val="accent1"/>
+          </a:effectRef>
+          <a:fontRef idx="minor">
+            <a:schemeClr val="lt1"/>
+          </a:fontRef>
+        </p:style>
+        <p:txBody>
+          <a:bodyPr rtlCol="0" anchor="ctr"/>
+          <a:lstStyle/>
+          <a:p>
+            <a:pPr algn="ctr"/>
+            <a:r>
+              <a:rPr lang="en-US" dirty="0" smtClean="0"/>
+              <a:t>Event </a:t>
+            </a:r>
+            <a:endParaRPr lang="en-US" dirty="0"/>
+          </a:p>
+        </p:txBody>
+      </p:sp>
+      <p:sp>
+        <p:nvSpPr>
+          <p:cNvPr id="14" name="矩形 13"/>
+          <p:cNvSpPr/>
+          <p:nvPr/>
+        </p:nvSpPr>
+        <p:spPr>
+          <a:xfrm>
+            <a:off x="2157323" y="2985459"/>
+            <a:ext cx="914400" cy="346494"/>
+          </a:xfrm>
+          <a:prstGeom prst="rect">
+            <a:avLst/>
+          </a:prstGeom>
+        </p:spPr>
+        <p:style>
+          <a:lnRef idx="2">
+            <a:schemeClr val="accent1">
+              <a:shade val="50000"/>
+            </a:schemeClr>
+          </a:lnRef>
+          <a:fillRef idx="1">
+            <a:schemeClr val="accent1"/>
+          </a:fillRef>
+          <a:effectRef idx="0">
+            <a:schemeClr val="accent1"/>
+          </a:effectRef>
+          <a:fontRef idx="minor">
+            <a:schemeClr val="lt1"/>
+          </a:fontRef>
+        </p:style>
+        <p:txBody>
+          <a:bodyPr rtlCol="0" anchor="ctr"/>
+          <a:lstStyle/>
+          <a:p>
+            <a:pPr algn="ctr"/>
+            <a:r>
+              <a:rPr lang="en-US" dirty="0"/>
+              <a:t>Event</a:t>
+            </a:r>
+          </a:p>
+        </p:txBody>
+      </p:sp>
+      <p:sp>
+        <p:nvSpPr>
+          <p:cNvPr id="15" name="矩形 14"/>
+          <p:cNvSpPr/>
+          <p:nvPr/>
+        </p:nvSpPr>
+        <p:spPr>
+          <a:xfrm>
+            <a:off x="4978879" y="3101916"/>
+            <a:ext cx="914400" cy="346494"/>
+          </a:xfrm>
+          <a:prstGeom prst="rect">
+            <a:avLst/>
+          </a:prstGeom>
+        </p:spPr>
+        <p:style>
+          <a:lnRef idx="2">
+            <a:schemeClr val="accent1">
+              <a:shade val="50000"/>
+            </a:schemeClr>
+          </a:lnRef>
+          <a:fillRef idx="1">
+            <a:schemeClr val="accent1"/>
+          </a:fillRef>
+          <a:effectRef idx="0">
+            <a:schemeClr val="accent1"/>
+          </a:effectRef>
+          <a:fontRef idx="minor">
+            <a:schemeClr val="lt1"/>
+          </a:fontRef>
+        </p:style>
+        <p:txBody>
+          <a:bodyPr rtlCol="0" anchor="ctr"/>
+          <a:lstStyle/>
+          <a:p>
+            <a:pPr algn="ctr"/>
+            <a:r>
+              <a:rPr lang="en-US" dirty="0"/>
+              <a:t>Event</a:t>
+            </a:r>
+          </a:p>
+        </p:txBody>
+      </p:sp>
+      <p:sp>
+        <p:nvSpPr>
+          <p:cNvPr id="16" name="矩形 15"/>
+          <p:cNvSpPr/>
+          <p:nvPr/>
+        </p:nvSpPr>
+        <p:spPr>
+          <a:xfrm>
+            <a:off x="3247845" y="2985459"/>
+            <a:ext cx="914400" cy="346494"/>
+          </a:xfrm>
+          <a:prstGeom prst="rect">
+            <a:avLst/>
+          </a:prstGeom>
+        </p:spPr>
+        <p:style>
+          <a:lnRef idx="2">
+            <a:schemeClr val="accent1">
+              <a:shade val="50000"/>
+            </a:schemeClr>
+          </a:lnRef>
+          <a:fillRef idx="1">
+            <a:schemeClr val="accent1"/>
+          </a:fillRef>
+          <a:effectRef idx="0">
+            <a:schemeClr val="accent1"/>
+          </a:effectRef>
+          <a:fontRef idx="minor">
+            <a:schemeClr val="lt1"/>
+          </a:fontRef>
+        </p:style>
+        <p:txBody>
+          <a:bodyPr rtlCol="0" anchor="ctr"/>
+          <a:lstStyle/>
+          <a:p>
+            <a:pPr algn="ctr"/>
+            <a:r>
+              <a:rPr lang="en-US" dirty="0"/>
+              <a:t>Event</a:t>
+            </a:r>
+          </a:p>
+        </p:txBody>
+      </p:sp>
+      <p:sp>
+        <p:nvSpPr>
+          <p:cNvPr id="17" name="矩形 16"/>
+          <p:cNvSpPr/>
+          <p:nvPr/>
+        </p:nvSpPr>
+        <p:spPr>
+          <a:xfrm>
+            <a:off x="6032740" y="3112698"/>
+            <a:ext cx="914400" cy="346494"/>
+          </a:xfrm>
+          <a:prstGeom prst="rect">
+            <a:avLst/>
+          </a:prstGeom>
+        </p:spPr>
+        <p:style>
+          <a:lnRef idx="2">
+            <a:schemeClr val="accent1">
+              <a:shade val="50000"/>
+            </a:schemeClr>
+          </a:lnRef>
+          <a:fillRef idx="1">
+            <a:schemeClr val="accent1"/>
+          </a:fillRef>
+          <a:effectRef idx="0">
+            <a:schemeClr val="accent1"/>
+          </a:effectRef>
+          <a:fontRef idx="minor">
+            <a:schemeClr val="lt1"/>
+          </a:fontRef>
+        </p:style>
+        <p:txBody>
+          <a:bodyPr rtlCol="0" anchor="ctr"/>
+          <a:lstStyle/>
+          <a:p>
+            <a:pPr algn="ctr"/>
+            <a:r>
+              <a:rPr lang="en-US" dirty="0"/>
+              <a:t>Event</a:t>
+            </a:r>
+          </a:p>
+        </p:txBody>
+      </p:sp>
+      <p:sp>
+        <p:nvSpPr>
+          <p:cNvPr id="18" name="矩形 17"/>
+          <p:cNvSpPr/>
+          <p:nvPr/>
+        </p:nvSpPr>
+        <p:spPr>
+          <a:xfrm>
+            <a:off x="7086600" y="3112698"/>
+            <a:ext cx="914400" cy="346494"/>
+          </a:xfrm>
+          <a:prstGeom prst="rect">
+            <a:avLst/>
+          </a:prstGeom>
+          <a:noFill/>
+        </p:spPr>
+        <p:style>
+          <a:lnRef idx="2">
+            <a:schemeClr val="accent1">
+              <a:shade val="50000"/>
+            </a:schemeClr>
+          </a:lnRef>
+          <a:fillRef idx="1">
+            <a:schemeClr val="accent1"/>
+          </a:fillRef>
+          <a:effectRef idx="0">
+            <a:schemeClr val="accent1"/>
+          </a:effectRef>
+          <a:fontRef idx="minor">
+            <a:schemeClr val="lt1"/>
+          </a:fontRef>
+        </p:style>
+        <p:txBody>
+          <a:bodyPr rtlCol="0" anchor="ctr"/>
+          <a:lstStyle/>
+          <a:p>
+            <a:pPr algn="ctr"/>
+            <a:r>
+              <a:rPr lang="en-US" dirty="0">
+                <a:solidFill>
+                  <a:schemeClr val="tx1"/>
+                </a:solidFill>
+              </a:rPr>
+              <a:t>Event</a:t>
+            </a:r>
+          </a:p>
+        </p:txBody>
+      </p:sp>
+      <p:sp>
+        <p:nvSpPr>
+          <p:cNvPr id="19" name="矩形 18"/>
+          <p:cNvSpPr/>
+          <p:nvPr/>
+        </p:nvSpPr>
+        <p:spPr>
+          <a:xfrm>
+            <a:off x="7086600" y="4017752"/>
+            <a:ext cx="914400" cy="346494"/>
+          </a:xfrm>
+          <a:prstGeom prst="rect">
+            <a:avLst/>
+          </a:prstGeom>
+        </p:spPr>
+        <p:style>
+          <a:lnRef idx="2">
+            <a:schemeClr val="accent1">
+              <a:shade val="50000"/>
+            </a:schemeClr>
+          </a:lnRef>
+          <a:fillRef idx="1">
+            <a:schemeClr val="accent1"/>
+          </a:fillRef>
+          <a:effectRef idx="0">
+            <a:schemeClr val="accent1"/>
+          </a:effectRef>
+          <a:fontRef idx="minor">
+            <a:schemeClr val="lt1"/>
+          </a:fontRef>
+        </p:style>
+        <p:txBody>
+          <a:bodyPr rtlCol="0" anchor="ctr"/>
+          <a:lstStyle/>
+          <a:p>
+            <a:pPr algn="ctr"/>
+            <a:r>
+              <a:rPr lang="en-US" dirty="0"/>
+              <a:t>Event</a:t>
+            </a:r>
+          </a:p>
+        </p:txBody>
+      </p:sp>
+      <p:sp>
+        <p:nvSpPr>
+          <p:cNvPr id="20" name="矩形 19"/>
+          <p:cNvSpPr/>
+          <p:nvPr/>
+        </p:nvSpPr>
+        <p:spPr>
+          <a:xfrm>
+            <a:off x="4978879" y="4017752"/>
+            <a:ext cx="914400" cy="346494"/>
+          </a:xfrm>
+          <a:prstGeom prst="rect">
+            <a:avLst/>
+          </a:prstGeom>
+          <a:noFill/>
+        </p:spPr>
+        <p:style>
+          <a:lnRef idx="2">
+            <a:schemeClr val="accent1">
+              <a:shade val="50000"/>
+            </a:schemeClr>
+          </a:lnRef>
+          <a:fillRef idx="1">
+            <a:schemeClr val="accent1"/>
+          </a:fillRef>
+          <a:effectRef idx="0">
+            <a:schemeClr val="accent1"/>
+          </a:effectRef>
+          <a:fontRef idx="minor">
+            <a:schemeClr val="lt1"/>
+          </a:fontRef>
+        </p:style>
+        <p:txBody>
+          <a:bodyPr rtlCol="0" anchor="ctr"/>
+          <a:lstStyle/>
+          <a:p>
+            <a:pPr algn="ctr"/>
+            <a:r>
+              <a:rPr lang="en-US" dirty="0">
+                <a:solidFill>
+                  <a:schemeClr val="tx1"/>
+                </a:solidFill>
+              </a:rPr>
+              <a:t>Event</a:t>
+            </a:r>
+          </a:p>
+        </p:txBody>
+      </p:sp>
+      <p:sp>
+        <p:nvSpPr>
+          <p:cNvPr id="21" name="矩形 20"/>
+          <p:cNvSpPr/>
+          <p:nvPr/>
+        </p:nvSpPr>
+        <p:spPr>
+          <a:xfrm>
+            <a:off x="6032740" y="4017752"/>
+            <a:ext cx="914400" cy="346494"/>
+          </a:xfrm>
+          <a:prstGeom prst="rect">
+            <a:avLst/>
+          </a:prstGeom>
+          <a:noFill/>
+        </p:spPr>
+        <p:style>
+          <a:lnRef idx="2">
+            <a:schemeClr val="accent1">
+              <a:shade val="50000"/>
+            </a:schemeClr>
+          </a:lnRef>
+          <a:fillRef idx="1">
+            <a:schemeClr val="accent1"/>
+          </a:fillRef>
+          <a:effectRef idx="0">
+            <a:schemeClr val="accent1"/>
+          </a:effectRef>
+          <a:fontRef idx="minor">
+            <a:schemeClr val="lt1"/>
+          </a:fontRef>
+        </p:style>
+        <p:txBody>
+          <a:bodyPr rtlCol="0" anchor="ctr"/>
+          <a:lstStyle/>
+          <a:p>
+            <a:pPr algn="ctr"/>
+            <a:r>
+              <a:rPr lang="en-US" dirty="0">
+                <a:solidFill>
+                  <a:schemeClr val="tx1"/>
+                </a:solidFill>
+              </a:rPr>
+              <a:t>Event</a:t>
+            </a:r>
+          </a:p>
+        </p:txBody>
+      </p:sp>
+      <p:cxnSp>
+        <p:nvCxnSpPr>
+          <p:cNvPr id="23" name="直線單箭頭接點 22"/>
+          <p:cNvCxnSpPr>
+            <a:stCxn id="17" idx="2"/>
+            <a:endCxn id="19" idx="0"/>
+          </p:cNvCxnSpPr>
+          <p:nvPr/>
+        </p:nvCxnSpPr>
+        <p:spPr>
+          <a:xfrm>
+            <a:off x="6489940" y="3459192"/>
+            <a:ext cx="1053860" cy="558560"/>
+          </a:xfrm>
+          <a:prstGeom prst="straightConnector1">
+            <a:avLst/>
+          </a:prstGeom>
+          <a:ln w="28575">
+            <a:tailEnd type="arrow"/>
+          </a:ln>
+        </p:spPr>
+        <p:style>
+          <a:lnRef idx="1">
+            <a:schemeClr val="accent1"/>
+          </a:lnRef>
+          <a:fillRef idx="0">
+            <a:schemeClr val="accent1"/>
+          </a:fillRef>
+          <a:effectRef idx="0">
+            <a:schemeClr val="accent1"/>
+          </a:effectRef>
+          <a:fontRef idx="minor">
+            <a:schemeClr val="tx1"/>
+          </a:fontRef>
+        </p:style>
+      </p:cxnSp>
+      <p:sp>
+        <p:nvSpPr>
+          <p:cNvPr id="24" name="文字方塊 23"/>
+          <p:cNvSpPr txBox="1"/>
+          <p:nvPr/>
+        </p:nvSpPr>
+        <p:spPr>
+          <a:xfrm>
+            <a:off x="4724400" y="5052507"/>
+            <a:ext cx="3886200" cy="369332"/>
+          </a:xfrm>
+          <a:prstGeom prst="rect">
+            <a:avLst/>
+          </a:prstGeom>
+          <a:noFill/>
+        </p:spPr>
+        <p:txBody>
+          <a:bodyPr wrap="square" rtlCol="0">
+            <a:spAutoFit/>
+          </a:bodyPr>
+          <a:lstStyle/>
+          <a:p>
+            <a:r>
+              <a:rPr lang="en-US" dirty="0" smtClean="0"/>
+              <a:t>*User input decide story sequences. </a:t>
+            </a:r>
+            <a:endParaRPr lang="en-US" dirty="0"/>
+          </a:p>
+        </p:txBody>
+      </p:sp>
+      <p:sp>
+        <p:nvSpPr>
+          <p:cNvPr id="25" name="文字方塊 24"/>
+          <p:cNvSpPr txBox="1"/>
+          <p:nvPr/>
+        </p:nvSpPr>
+        <p:spPr>
+          <a:xfrm>
+            <a:off x="7391400" y="3553806"/>
+            <a:ext cx="3886200" cy="369332"/>
+          </a:xfrm>
+          <a:prstGeom prst="rect">
+            <a:avLst/>
+          </a:prstGeom>
+          <a:noFill/>
+        </p:spPr>
+        <p:txBody>
+          <a:bodyPr wrap="square" rtlCol="0">
+            <a:spAutoFit/>
+          </a:bodyPr>
+          <a:lstStyle/>
+          <a:p>
+            <a:r>
+              <a:rPr lang="en-US" dirty="0" smtClean="0">
+                <a:solidFill>
+                  <a:schemeClr val="bg2">
+                    <a:lumMod val="50000"/>
+                  </a:schemeClr>
+                </a:solidFill>
+              </a:rPr>
+              <a:t>Condition</a:t>
+            </a:r>
+            <a:endParaRPr lang="en-US" dirty="0">
+              <a:solidFill>
+                <a:schemeClr val="bg2">
+                  <a:lumMod val="50000"/>
+                </a:schemeClr>
+              </a:solidFill>
+            </a:endParaRPr>
+          </a:p>
+        </p:txBody>
+      </p:sp>
+    </p:spTree>
+    <p:extLst>
+      <p:ext uri="{BB962C8B-B14F-4D97-AF65-F5344CB8AC3E}">
+        <p14:creationId xmlns:p14="http://schemas.microsoft.com/office/powerpoint/2010/main" val="3601079178"/>
       </p:ext>
     </p:extLst>
   </p:cSld>
